--- a/NARJARA SLIDE TCC.pptx
+++ b/NARJARA SLIDE TCC.pptx
@@ -5,29 +5,34 @@
     <p:sldMasterId id="2147483648" r:id="rId1"/>
   </p:sldMasterIdLst>
   <p:notesMasterIdLst>
-    <p:notesMasterId r:id="rId22"/>
+    <p:notesMasterId r:id="rId27"/>
   </p:notesMasterIdLst>
   <p:sldIdLst>
     <p:sldId id="256" r:id="rId2"/>
     <p:sldId id="257" r:id="rId3"/>
-    <p:sldId id="293" r:id="rId4"/>
-    <p:sldId id="258" r:id="rId5"/>
-    <p:sldId id="259" r:id="rId6"/>
-    <p:sldId id="260" r:id="rId7"/>
-    <p:sldId id="261" r:id="rId8"/>
-    <p:sldId id="263" r:id="rId9"/>
-    <p:sldId id="276" r:id="rId10"/>
-    <p:sldId id="264" r:id="rId11"/>
-    <p:sldId id="283" r:id="rId12"/>
-    <p:sldId id="265" r:id="rId13"/>
-    <p:sldId id="268" r:id="rId14"/>
-    <p:sldId id="295" r:id="rId15"/>
-    <p:sldId id="296" r:id="rId16"/>
-    <p:sldId id="294" r:id="rId17"/>
-    <p:sldId id="297" r:id="rId18"/>
-    <p:sldId id="298" r:id="rId19"/>
-    <p:sldId id="284" r:id="rId20"/>
-    <p:sldId id="280" r:id="rId21"/>
+    <p:sldId id="301" r:id="rId4"/>
+    <p:sldId id="293" r:id="rId5"/>
+    <p:sldId id="300" r:id="rId6"/>
+    <p:sldId id="258" r:id="rId7"/>
+    <p:sldId id="302" r:id="rId8"/>
+    <p:sldId id="259" r:id="rId9"/>
+    <p:sldId id="299" r:id="rId10"/>
+    <p:sldId id="260" r:id="rId11"/>
+    <p:sldId id="303" r:id="rId12"/>
+    <p:sldId id="261" r:id="rId13"/>
+    <p:sldId id="263" r:id="rId14"/>
+    <p:sldId id="276" r:id="rId15"/>
+    <p:sldId id="264" r:id="rId16"/>
+    <p:sldId id="283" r:id="rId17"/>
+    <p:sldId id="265" r:id="rId18"/>
+    <p:sldId id="268" r:id="rId19"/>
+    <p:sldId id="295" r:id="rId20"/>
+    <p:sldId id="296" r:id="rId21"/>
+    <p:sldId id="294" r:id="rId22"/>
+    <p:sldId id="297" r:id="rId23"/>
+    <p:sldId id="298" r:id="rId24"/>
+    <p:sldId id="284" r:id="rId25"/>
+    <p:sldId id="280" r:id="rId26"/>
   </p:sldIdLst>
   <p:sldSz cx="9144000" cy="6858000" type="screen4x3"/>
   <p:notesSz cx="6858000" cy="9144000"/>
@@ -128,7 +133,7 @@
   </p:defaultTextStyle>
   <p:extLst>
     <p:ext uri="{EFAFB233-063F-42B5-8137-9DF3F51BA10A}">
-      <p15:sldGuideLst xmlns:p15="http://schemas.microsoft.com/office/powerpoint/2012/main" xmlns="">
+      <p15:sldGuideLst xmlns:p15="http://schemas.microsoft.com/office/powerpoint/2012/main">
         <p15:guide id="1" orient="horz" pos="2160">
           <p15:clr>
             <a:srgbClr val="A4A3A4"/>
@@ -228,7 +233,7 @@
             <a:fld id="{44E9633A-59B6-4ECC-A896-971BED629AB4}" type="datetimeFigureOut">
               <a:rPr lang="pt-BR" smtClean="0"/>
               <a:pPr/>
-              <a:t>09/12/2017</a:t>
+              <a:t>10/12/2017</a:t>
             </a:fld>
             <a:endParaRPr lang="pt-BR"/>
           </a:p>
@@ -397,6 +402,11 @@
         </p:txBody>
       </p:sp>
     </p:spTree>
+    <p:extLst>
+      <p:ext uri="{BB962C8B-B14F-4D97-AF65-F5344CB8AC3E}">
+        <p14:creationId xmlns:p14="http://schemas.microsoft.com/office/powerpoint/2010/main" val="1479062586"/>
+      </p:ext>
+    </p:extLst>
   </p:cSld>
   <p:clrMap bg1="lt1" tx1="dk1" bg2="lt2" tx2="dk2" accent1="accent1" accent2="accent2" accent3="accent3" accent4="accent4" accent5="accent5" accent6="accent6" hlink="hlink" folHlink="folHlink"/>
   <p:notesStyle>
@@ -567,13 +577,18 @@
             <a:fld id="{D9E7F456-7436-4EFE-9828-DD7FE88FE339}" type="slidenum">
               <a:rPr lang="pt-BR" smtClean="0"/>
               <a:pPr/>
-              <a:t>12</a:t>
+              <a:t>17</a:t>
             </a:fld>
             <a:endParaRPr lang="pt-BR"/>
           </a:p>
         </p:txBody>
       </p:sp>
     </p:spTree>
+    <p:extLst>
+      <p:ext uri="{BB962C8B-B14F-4D97-AF65-F5344CB8AC3E}">
+        <p14:creationId xmlns:p14="http://schemas.microsoft.com/office/powerpoint/2010/main" val="3026279716"/>
+      </p:ext>
+    </p:extLst>
   </p:cSld>
   <p:clrMapOvr>
     <a:masterClrMapping/>
@@ -763,7 +778,7 @@
             <a:fld id="{133DF391-D97A-4B8B-9C97-B64E1902BDF0}" type="datetimeFigureOut">
               <a:rPr lang="pt-BR" smtClean="0"/>
               <a:pPr/>
-              <a:t>09/12/2017</a:t>
+              <a:t>10/12/2017</a:t>
             </a:fld>
             <a:endParaRPr lang="pt-BR" dirty="0"/>
           </a:p>
@@ -930,7 +945,7 @@
             <a:fld id="{133DF391-D97A-4B8B-9C97-B64E1902BDF0}" type="datetimeFigureOut">
               <a:rPr lang="pt-BR" smtClean="0"/>
               <a:pPr/>
-              <a:t>09/12/2017</a:t>
+              <a:t>10/12/2017</a:t>
             </a:fld>
             <a:endParaRPr lang="pt-BR" dirty="0"/>
           </a:p>
@@ -1107,7 +1122,7 @@
             <a:fld id="{133DF391-D97A-4B8B-9C97-B64E1902BDF0}" type="datetimeFigureOut">
               <a:rPr lang="pt-BR" smtClean="0"/>
               <a:pPr/>
-              <a:t>09/12/2017</a:t>
+              <a:t>10/12/2017</a:t>
             </a:fld>
             <a:endParaRPr lang="pt-BR" dirty="0"/>
           </a:p>
@@ -1274,7 +1289,7 @@
             <a:fld id="{133DF391-D97A-4B8B-9C97-B64E1902BDF0}" type="datetimeFigureOut">
               <a:rPr lang="pt-BR" smtClean="0"/>
               <a:pPr/>
-              <a:t>09/12/2017</a:t>
+              <a:t>10/12/2017</a:t>
             </a:fld>
             <a:endParaRPr lang="pt-BR" dirty="0"/>
           </a:p>
@@ -1517,7 +1532,7 @@
             <a:fld id="{133DF391-D97A-4B8B-9C97-B64E1902BDF0}" type="datetimeFigureOut">
               <a:rPr lang="pt-BR" smtClean="0"/>
               <a:pPr/>
-              <a:t>09/12/2017</a:t>
+              <a:t>10/12/2017</a:t>
             </a:fld>
             <a:endParaRPr lang="pt-BR" dirty="0"/>
           </a:p>
@@ -1802,7 +1817,7 @@
             <a:fld id="{133DF391-D97A-4B8B-9C97-B64E1902BDF0}" type="datetimeFigureOut">
               <a:rPr lang="pt-BR" smtClean="0"/>
               <a:pPr/>
-              <a:t>09/12/2017</a:t>
+              <a:t>10/12/2017</a:t>
             </a:fld>
             <a:endParaRPr lang="pt-BR" dirty="0"/>
           </a:p>
@@ -2221,7 +2236,7 @@
             <a:fld id="{133DF391-D97A-4B8B-9C97-B64E1902BDF0}" type="datetimeFigureOut">
               <a:rPr lang="pt-BR" smtClean="0"/>
               <a:pPr/>
-              <a:t>09/12/2017</a:t>
+              <a:t>10/12/2017</a:t>
             </a:fld>
             <a:endParaRPr lang="pt-BR" dirty="0"/>
           </a:p>
@@ -2336,7 +2351,7 @@
             <a:fld id="{133DF391-D97A-4B8B-9C97-B64E1902BDF0}" type="datetimeFigureOut">
               <a:rPr lang="pt-BR" smtClean="0"/>
               <a:pPr/>
-              <a:t>09/12/2017</a:t>
+              <a:t>10/12/2017</a:t>
             </a:fld>
             <a:endParaRPr lang="pt-BR" dirty="0"/>
           </a:p>
@@ -2428,7 +2443,7 @@
             <a:fld id="{133DF391-D97A-4B8B-9C97-B64E1902BDF0}" type="datetimeFigureOut">
               <a:rPr lang="pt-BR" smtClean="0"/>
               <a:pPr/>
-              <a:t>09/12/2017</a:t>
+              <a:t>10/12/2017</a:t>
             </a:fld>
             <a:endParaRPr lang="pt-BR" dirty="0"/>
           </a:p>
@@ -2702,7 +2717,7 @@
             <a:fld id="{133DF391-D97A-4B8B-9C97-B64E1902BDF0}" type="datetimeFigureOut">
               <a:rPr lang="pt-BR" smtClean="0"/>
               <a:pPr/>
-              <a:t>09/12/2017</a:t>
+              <a:t>10/12/2017</a:t>
             </a:fld>
             <a:endParaRPr lang="pt-BR" dirty="0"/>
           </a:p>
@@ -2952,7 +2967,7 @@
             <a:fld id="{133DF391-D97A-4B8B-9C97-B64E1902BDF0}" type="datetimeFigureOut">
               <a:rPr lang="pt-BR" smtClean="0"/>
               <a:pPr/>
-              <a:t>09/12/2017</a:t>
+              <a:t>10/12/2017</a:t>
             </a:fld>
             <a:endParaRPr lang="pt-BR" dirty="0"/>
           </a:p>
@@ -3162,7 +3177,7 @@
             <a:fld id="{133DF391-D97A-4B8B-9C97-B64E1902BDF0}" type="datetimeFigureOut">
               <a:rPr lang="pt-BR" smtClean="0"/>
               <a:pPr/>
-              <a:t>09/12/2017</a:t>
+              <a:t>10/12/2017</a:t>
             </a:fld>
             <a:endParaRPr lang="pt-BR" dirty="0"/>
           </a:p>
@@ -3645,11 +3660,6 @@
               </a:rPr>
               <a:t> Caroline Vaz Pimenta</a:t>
             </a:r>
-            <a:endParaRPr lang="pt-BR" sz="2400" b="1" dirty="0" smtClean="0">
-              <a:solidFill>
-                <a:schemeClr val="tx1"/>
-              </a:solidFill>
-            </a:endParaRPr>
           </a:p>
           <a:p>
             <a:pPr algn="r"/>
@@ -3693,11 +3703,6 @@
               </a:rPr>
               <a:t> Rosa André</a:t>
             </a:r>
-            <a:endParaRPr lang="pt-BR" sz="2400" b="1" dirty="0" smtClean="0">
-              <a:solidFill>
-                <a:schemeClr val="tx1"/>
-              </a:solidFill>
-            </a:endParaRPr>
           </a:p>
           <a:p>
             <a:pPr algn="r"/>
@@ -3715,21 +3720,8 @@
                   <a:schemeClr val="tx1"/>
                 </a:solidFill>
               </a:rPr>
-              <a:t>Divinópolis/MG – Dezembro de </a:t>
-            </a:r>
-            <a:r>
-              <a:rPr lang="pt-BR" sz="2400" b="1" dirty="0" smtClean="0">
-                <a:solidFill>
-                  <a:schemeClr val="tx1"/>
-                </a:solidFill>
-              </a:rPr>
-              <a:t>2017.</a:t>
-            </a:r>
-            <a:endParaRPr lang="pt-BR" sz="2400" b="1" dirty="0" smtClean="0">
-              <a:solidFill>
-                <a:schemeClr val="tx1"/>
-              </a:solidFill>
-            </a:endParaRPr>
+              <a:t>Divinópolis/MG – Dezembro de 2017.</a:t>
+            </a:r>
           </a:p>
           <a:p>
             <a:endParaRPr lang="pt-BR" b="1" dirty="0">
@@ -3811,15 +3803,29 @@
         <p:spPr/>
         <p:txBody>
           <a:bodyPr>
-            <a:normAutofit/>
+            <a:normAutofit fontScale="90000"/>
           </a:bodyPr>
           <a:lstStyle/>
           <a:p>
             <a:r>
               <a:rPr lang="pt-BR" b="1" dirty="0" smtClean="0"/>
-              <a:t>METODOLOGIA</a:t>
-            </a:r>
-            <a:endParaRPr lang="pt-BR" b="1" dirty="0"/>
+              <a:t/>
+            </a:r>
+            <a:br>
+              <a:rPr lang="pt-BR" b="1" dirty="0" smtClean="0"/>
+            </a:br>
+            <a:r>
+              <a:rPr lang="pt-BR" sz="3600" b="1" dirty="0" smtClean="0"/>
+              <a:t>Objetivos Específicos</a:t>
+            </a:r>
+            <a:r>
+              <a:rPr lang="pt-BR" b="1" dirty="0" smtClean="0"/>
+              <a:t/>
+            </a:r>
+            <a:br>
+              <a:rPr lang="pt-BR" b="1" dirty="0" smtClean="0"/>
+            </a:br>
+            <a:endParaRPr lang="pt-BR" dirty="0"/>
           </a:p>
         </p:txBody>
       </p:sp>
@@ -3833,123 +3839,54 @@
             <p:ph idx="1"/>
           </p:nvPr>
         </p:nvSpPr>
-        <p:spPr>
-          <a:xfrm>
-            <a:off x="457201" y="1357299"/>
-            <a:ext cx="8229600" cy="5000660"/>
-          </a:xfrm>
-        </p:spPr>
+        <p:spPr/>
         <p:txBody>
           <a:bodyPr>
-            <a:normAutofit/>
+            <a:noAutofit/>
           </a:bodyPr>
           <a:lstStyle/>
           <a:p>
-            <a:pPr algn="just">
-              <a:lnSpc>
-                <a:spcPct val="160000"/>
-              </a:lnSpc>
+            <a:pPr marL="514305" indent="-514305" algn="just">
               <a:buFont typeface="Wingdings" pitchFamily="2" charset="2"/>
               <a:buChar char="ü"/>
             </a:pPr>
             <a:r>
-              <a:rPr lang="pt-BR" sz="2400" b="1" dirty="0" smtClean="0"/>
-              <a:t> </a:t>
-            </a:r>
-            <a:r>
-              <a:rPr lang="pt-BR" altLang="pt-BR" sz="2400" b="1" dirty="0" smtClean="0">
-                <a:solidFill>
-                  <a:srgbClr val="000000"/>
-                </a:solidFill>
-                <a:cs typeface="Arial" charset="0"/>
-              </a:rPr>
-              <a:t>Tipo de pesquisa: </a:t>
-            </a:r>
-            <a:r>
-              <a:rPr lang="pt-BR" sz="2400" b="1" dirty="0" smtClean="0"/>
-              <a:t>Abordagem </a:t>
-            </a:r>
-            <a:r>
-              <a:rPr lang="pt-BR" sz="2400" b="1" dirty="0" smtClean="0"/>
-              <a:t>Qualitativa.</a:t>
-            </a:r>
-            <a:endParaRPr lang="pt-BR" sz="2400" b="1" dirty="0" smtClean="0"/>
-          </a:p>
-          <a:p>
-            <a:pPr algn="just">
-              <a:lnSpc>
-                <a:spcPct val="160000"/>
-              </a:lnSpc>
+              <a:rPr lang="pt-BR" sz="2600" b="1" dirty="0" smtClean="0"/>
+              <a:t>Destacar o objetivo inicial do professor ao escolher tal profissão.</a:t>
+            </a:r>
+          </a:p>
+          <a:p>
+            <a:pPr marL="514305" indent="-514305" algn="just">
+              <a:buNone/>
+            </a:pPr>
+            <a:endParaRPr lang="pt-BR" sz="2600" b="1" dirty="0" smtClean="0"/>
+          </a:p>
+          <a:p>
+            <a:pPr marL="514305" indent="-514305" algn="just">
               <a:buFont typeface="Wingdings" pitchFamily="2" charset="2"/>
               <a:buChar char="ü"/>
             </a:pPr>
             <a:r>
-              <a:rPr lang="pt-BR" altLang="pt-BR" sz="2400" b="1" dirty="0" smtClean="0">
-                <a:solidFill>
-                  <a:srgbClr val="000000"/>
-                </a:solidFill>
-                <a:cs typeface="Arial" charset="0"/>
-              </a:rPr>
-              <a:t>Instituição ou local pesquisado: </a:t>
-            </a:r>
-            <a:r>
-              <a:rPr lang="pt-BR" sz="2400" b="1" dirty="0" smtClean="0"/>
-              <a:t>Instituição da rede privada e outra da rede pública, ambas de Divinópolis MG.</a:t>
-            </a:r>
-            <a:endParaRPr lang="pt-BR" sz="2400" b="1" dirty="0" smtClean="0"/>
+              <a:rPr lang="pt-BR" sz="2600" b="1" dirty="0" smtClean="0"/>
+              <a:t>Reconhecer o significado e importância do professor de Educação Infantil.</a:t>
+            </a:r>
+          </a:p>
+          <a:p>
+            <a:pPr marL="514305" indent="-514305" algn="just">
+              <a:buNone/>
+            </a:pPr>
+            <a:endParaRPr lang="pt-BR" sz="2600" b="1" dirty="0" smtClean="0"/>
           </a:p>
           <a:p>
             <a:pPr algn="just">
-              <a:lnSpc>
-                <a:spcPct val="160000"/>
-              </a:lnSpc>
               <a:buFont typeface="Wingdings" pitchFamily="2" charset="2"/>
               <a:buChar char="ü"/>
             </a:pPr>
             <a:r>
-              <a:rPr lang="pt-BR" sz="2400" b="1" dirty="0" smtClean="0"/>
-              <a:t>Sujeitos envolvidos na pesquisa</a:t>
-            </a:r>
-            <a:r>
-              <a:rPr lang="pt-BR" sz="2400" b="1" dirty="0" smtClean="0"/>
-              <a:t>: 10 professoras de Educação Infantil.</a:t>
-            </a:r>
-            <a:endParaRPr lang="pt-BR" sz="2400" b="1" dirty="0" smtClean="0"/>
-          </a:p>
-          <a:p>
-            <a:pPr algn="ctr">
-              <a:lnSpc>
-                <a:spcPct val="160000"/>
-              </a:lnSpc>
-              <a:buNone/>
-            </a:pPr>
-            <a:r>
-              <a:rPr lang="pt-BR" altLang="pt-BR" b="1" dirty="0" smtClean="0">
-                <a:solidFill>
-                  <a:srgbClr val="000000"/>
-                </a:solidFill>
-                <a:cs typeface="Arial" charset="0"/>
-              </a:rPr>
-              <a:t>Coleta de dados: </a:t>
-            </a:r>
-          </a:p>
-          <a:p>
-            <a:pPr algn="just">
-              <a:lnSpc>
-                <a:spcPct val="160000"/>
-              </a:lnSpc>
-              <a:buFont typeface="Wingdings" pitchFamily="2" charset="2"/>
-              <a:buChar char="ü"/>
-            </a:pPr>
-            <a:r>
-              <a:rPr lang="pt-BR" sz="2400" b="1" dirty="0" smtClean="0"/>
-              <a:t>Aplicação de questionários </a:t>
-            </a:r>
-            <a:r>
-              <a:rPr lang="pt-BR" sz="2400" b="1" dirty="0" smtClean="0"/>
-              <a:t>contendo 8 questões abertas.</a:t>
-            </a:r>
-            <a:endParaRPr lang="pt-BR" sz="2400" b="1" dirty="0" smtClean="0"/>
+              <a:rPr lang="pt-BR" sz="2600" b="1" dirty="0" smtClean="0"/>
+              <a:t>Ressaltar o significado da Educação Infantil para o desenvolvimento da criança na visão do professor.</a:t>
+            </a:r>
+            <a:endParaRPr lang="pt-BR" sz="2600" b="1" dirty="0"/>
           </a:p>
         </p:txBody>
       </p:sp>
@@ -3985,172 +3922,41 @@
           <a:chExt cx="0" cy="0"/>
         </a:xfrm>
       </p:grpSpPr>
-      <p:sp>
-        <p:nvSpPr>
-          <p:cNvPr id="2" name="Título 1"/>
-          <p:cNvSpPr>
-            <a:spLocks noGrp="1"/>
-          </p:cNvSpPr>
-          <p:nvPr>
-            <p:ph type="title"/>
-          </p:nvPr>
-        </p:nvSpPr>
-        <p:spPr/>
-        <p:txBody>
-          <a:bodyPr>
-            <a:normAutofit fontScale="90000"/>
-          </a:bodyPr>
-          <a:lstStyle/>
-          <a:p>
-            <a:r>
-              <a:rPr lang="pt-BR" altLang="pt-BR" b="1" dirty="0" smtClean="0">
-                <a:solidFill>
-                  <a:srgbClr val="000000"/>
-                </a:solidFill>
-                <a:cs typeface="Arial" charset="0"/>
-              </a:rPr>
-              <a:t/>
-            </a:r>
-            <a:br>
-              <a:rPr lang="pt-BR" altLang="pt-BR" b="1" dirty="0" smtClean="0">
-                <a:solidFill>
-                  <a:srgbClr val="000000"/>
-                </a:solidFill>
-                <a:cs typeface="Arial" charset="0"/>
-              </a:rPr>
-            </a:br>
-            <a:r>
-              <a:rPr lang="pt-BR" altLang="pt-BR" sz="3600" b="1" dirty="0" smtClean="0">
-                <a:solidFill>
-                  <a:srgbClr val="000000"/>
-                </a:solidFill>
-                <a:cs typeface="Arial" charset="0"/>
-              </a:rPr>
-              <a:t>Forma de tratamento dos dados:</a:t>
-            </a:r>
-            <a:r>
-              <a:rPr lang="pt-BR" altLang="pt-BR" b="1" dirty="0" smtClean="0">
-                <a:solidFill>
-                  <a:srgbClr val="000000"/>
-                </a:solidFill>
-                <a:cs typeface="Arial" charset="0"/>
-              </a:rPr>
-              <a:t/>
-            </a:r>
-            <a:br>
-              <a:rPr lang="pt-BR" altLang="pt-BR" b="1" dirty="0" smtClean="0">
-                <a:solidFill>
-                  <a:srgbClr val="000000"/>
-                </a:solidFill>
-                <a:cs typeface="Arial" charset="0"/>
-              </a:rPr>
-            </a:br>
-            <a:endParaRPr lang="pt-BR" dirty="0"/>
-          </a:p>
-        </p:txBody>
-      </p:sp>
-      <p:sp>
-        <p:nvSpPr>
-          <p:cNvPr id="3" name="Espaço Reservado para Conteúdo 2"/>
-          <p:cNvSpPr>
-            <a:spLocks noGrp="1"/>
-          </p:cNvSpPr>
+      <p:pic>
+        <p:nvPicPr>
+          <p:cNvPr id="4" name="Espaço Reservado para Conteúdo 3"/>
+          <p:cNvPicPr>
+            <a:picLocks noGrp="1" noChangeAspect="1"/>
+          </p:cNvPicPr>
           <p:nvPr>
             <p:ph idx="1"/>
           </p:nvPr>
-        </p:nvSpPr>
-        <p:spPr/>
-        <p:txBody>
-          <a:bodyPr/>
-          <a:lstStyle/>
-          <a:p>
-            <a:pPr algn="just">
-              <a:lnSpc>
-                <a:spcPct val="160000"/>
-              </a:lnSpc>
-              <a:buFont typeface="Wingdings" pitchFamily="2" charset="2"/>
-              <a:buChar char="ü"/>
-            </a:pPr>
-            <a:r>
-              <a:rPr lang="pt-BR" sz="2400" b="1" dirty="0" smtClean="0"/>
-              <a:t>Análise das respostas das professoras.</a:t>
-            </a:r>
-            <a:endParaRPr lang="pt-BR" sz="2400" b="1" dirty="0" smtClean="0"/>
-          </a:p>
-          <a:p>
-            <a:pPr algn="just">
-              <a:buFont typeface="Wingdings" pitchFamily="2" charset="2"/>
-              <a:buChar char="ü"/>
-            </a:pPr>
-            <a:r>
-              <a:rPr lang="pt-BR" sz="2400" b="1" dirty="0" smtClean="0"/>
-              <a:t>Reflexão sobre a realidade vivenciada pelas professoras dentro das instituições em que elas trabalham.</a:t>
-            </a:r>
-            <a:endParaRPr lang="pt-BR" sz="2400" b="1" dirty="0" smtClean="0"/>
-          </a:p>
-          <a:p>
-            <a:pPr algn="ctr">
-              <a:buFont typeface="Wingdings" pitchFamily="2" charset="2"/>
-              <a:buChar char="ü"/>
-            </a:pPr>
-            <a:endParaRPr lang="pt-BR" sz="2400" b="1" dirty="0" smtClean="0"/>
-          </a:p>
-          <a:p>
-            <a:pPr algn="ctr">
-              <a:buNone/>
-            </a:pPr>
-            <a:r>
-              <a:rPr lang="pt-BR" altLang="pt-BR" b="1" dirty="0" smtClean="0">
-                <a:solidFill>
-                  <a:srgbClr val="000000"/>
-                </a:solidFill>
-                <a:cs typeface="Arial" charset="0"/>
-              </a:rPr>
-              <a:t>Limitação do método utilizado: </a:t>
-            </a:r>
-          </a:p>
-          <a:p>
-            <a:pPr algn="just">
-              <a:buFont typeface="Wingdings" pitchFamily="2" charset="2"/>
-              <a:buChar char="ü"/>
-            </a:pPr>
-            <a:endParaRPr lang="pt-BR" altLang="pt-BR" sz="2400" b="1" dirty="0" smtClean="0">
-              <a:solidFill>
-                <a:srgbClr val="000000"/>
-              </a:solidFill>
-              <a:cs typeface="Arial" charset="0"/>
-            </a:endParaRPr>
-          </a:p>
-          <a:p>
-            <a:pPr algn="just">
-              <a:buFont typeface="Wingdings" pitchFamily="2" charset="2"/>
-              <a:buChar char="ü"/>
-            </a:pPr>
-            <a:r>
-              <a:rPr lang="pt-BR" altLang="pt-BR" sz="2400" b="1" dirty="0" smtClean="0">
-                <a:solidFill>
-                  <a:srgbClr val="000000"/>
-                </a:solidFill>
-                <a:cs typeface="Arial" charset="0"/>
-              </a:rPr>
-              <a:t>Demora de algumas professoras para devolver o questionário, alegando a falta de tempo para responder as questões.</a:t>
-            </a:r>
-            <a:endParaRPr lang="pt-BR" altLang="pt-BR" sz="2400" b="1" dirty="0" smtClean="0">
-              <a:solidFill>
-                <a:srgbClr val="000000"/>
-              </a:solidFill>
-              <a:cs typeface="Arial" charset="0"/>
-            </a:endParaRPr>
-          </a:p>
-          <a:p>
-            <a:pPr>
-              <a:buNone/>
-            </a:pPr>
-            <a:endParaRPr lang="pt-BR" dirty="0"/>
-          </a:p>
-        </p:txBody>
-      </p:sp>
+        </p:nvPicPr>
+        <p:blipFill>
+          <a:blip r:embed="rId2">
+            <a:extLst>
+              <a:ext uri="{28A0092B-C50C-407E-A947-70E740481C1C}">
+                <a14:useLocalDpi xmlns:a14="http://schemas.microsoft.com/office/drawing/2010/main" val="0"/>
+              </a:ext>
+            </a:extLst>
+          </a:blip>
+          <a:stretch>
+            <a:fillRect/>
+          </a:stretch>
+        </p:blipFill>
+        <p:spPr>
+          <a:xfrm>
+            <a:off x="467544" y="620688"/>
+            <a:ext cx="8120706" cy="5400600"/>
+          </a:xfrm>
+        </p:spPr>
+      </p:pic>
     </p:spTree>
+    <p:extLst>
+      <p:ext uri="{BB962C8B-B14F-4D97-AF65-F5344CB8AC3E}">
+        <p14:creationId xmlns:p14="http://schemas.microsoft.com/office/powerpoint/2010/main" val="473391838"/>
+      </p:ext>
+    </p:extLst>
   </p:cSld>
   <p:clrMapOvr>
     <a:masterClrMapping/>
@@ -4199,7 +4005,7 @@
           <a:p>
             <a:r>
               <a:rPr lang="pt-BR" b="1" dirty="0" smtClean="0"/>
-              <a:t>CONSIDERAÇÕES FINAIS</a:t>
+              <a:t>REFERENCIAL TEÓRICO</a:t>
             </a:r>
             <a:endParaRPr lang="pt-BR" b="1" dirty="0"/>
           </a:p>
@@ -4217,103 +4023,59 @@
         </p:nvSpPr>
         <p:spPr>
           <a:xfrm>
-            <a:off x="457200" y="1428737"/>
-            <a:ext cx="8401080" cy="4697427"/>
+            <a:off x="428596" y="1571613"/>
+            <a:ext cx="8429684" cy="4525963"/>
           </a:xfrm>
         </p:spPr>
         <p:txBody>
           <a:bodyPr>
-            <a:normAutofit fontScale="47500" lnSpcReduction="20000"/>
+            <a:normAutofit lnSpcReduction="10000"/>
           </a:bodyPr>
           <a:lstStyle/>
           <a:p>
             <a:pPr algn="just">
               <a:lnSpc>
-                <a:spcPct val="170000"/>
-              </a:lnSpc>
-              <a:buNone/>
-            </a:pPr>
-            <a:r>
-              <a:rPr lang="pt-BR" sz="4400" b="1" dirty="0" smtClean="0"/>
-              <a:t>    </a:t>
-            </a:r>
-            <a:r>
-              <a:rPr lang="pt-BR" sz="4400" b="1" dirty="0" smtClean="0"/>
-              <a:t>Como a Educação Infantil tem contribuído para o desenvolvimento da criança de zero a cinco anos dentro das instituições?</a:t>
-            </a:r>
-          </a:p>
-          <a:p>
-            <a:pPr algn="just">
-              <a:lnSpc>
-                <a:spcPct val="170000"/>
-              </a:lnSpc>
-              <a:buNone/>
-            </a:pPr>
-            <a:r>
-              <a:rPr lang="pt-BR" sz="4400" b="1" dirty="0" smtClean="0"/>
-              <a:t> </a:t>
-            </a:r>
-            <a:r>
-              <a:rPr lang="pt-BR" sz="4400" b="1" dirty="0" smtClean="0"/>
-              <a:t>   Quais os entraves encontrados dentro das instituições de Educação Infantil para a realização eficiente dente trabalho?</a:t>
-            </a:r>
-            <a:endParaRPr lang="pt-BR" sz="4400" b="1" dirty="0" smtClean="0"/>
-          </a:p>
-          <a:p>
-            <a:pPr algn="just">
-              <a:lnSpc>
-                <a:spcPct val="170000"/>
+                <a:spcPct val="150000"/>
               </a:lnSpc>
               <a:buFont typeface="Wingdings" pitchFamily="2" charset="2"/>
               <a:buChar char="ü"/>
             </a:pPr>
             <a:r>
-              <a:rPr lang="pt-BR" sz="4400" b="1" dirty="0" smtClean="0"/>
-              <a:t>As hipóteses foram confirmadas</a:t>
-            </a:r>
-            <a:r>
-              <a:rPr lang="pt-BR" sz="4400" b="1" dirty="0" smtClean="0"/>
-              <a:t>.</a:t>
-            </a:r>
-            <a:endParaRPr lang="pt-BR" sz="4400" b="1" dirty="0" smtClean="0"/>
+              <a:rPr lang="pt-BR" sz="2400" b="1" dirty="0" smtClean="0"/>
+              <a:t>Carvalho, Salles e Guimarães (2002) apresentam a história da criança, relatando a forma como esta era tratada pelos adultos.</a:t>
+            </a:r>
           </a:p>
           <a:p>
             <a:pPr algn="just">
               <a:lnSpc>
-                <a:spcPct val="170000"/>
+                <a:spcPct val="150000"/>
               </a:lnSpc>
               <a:buFont typeface="Wingdings" pitchFamily="2" charset="2"/>
               <a:buChar char="ü"/>
             </a:pPr>
             <a:r>
-              <a:rPr lang="pt-BR" sz="4400" b="1" dirty="0" smtClean="0"/>
-              <a:t>Constatou-se </a:t>
-            </a:r>
-            <a:r>
-              <a:rPr lang="pt-BR" sz="4400" b="1" dirty="0" smtClean="0"/>
-              <a:t>que a Educação Infantil é de extrema importância para a criança zero a cinco anos em todos os aspectos, e que o papel do professor é mediar experiências e vivencias que promovam o seu desenvolvimento integral.</a:t>
-            </a:r>
-            <a:endParaRPr lang="pt-BR" sz="4400" b="1" dirty="0" smtClean="0"/>
+              <a:rPr lang="pt-BR" sz="2400" b="1" dirty="0" smtClean="0"/>
+              <a:t>Costa (2000) e Rocha (2002) relatam os principais marcos na vida da criança até ser reconhecida como cidadã de direitos, além de salientar sobre a importância da infância.</a:t>
+            </a:r>
           </a:p>
           <a:p>
             <a:pPr algn="just">
               <a:lnSpc>
-                <a:spcPct val="170000"/>
+                <a:spcPct val="150000"/>
               </a:lnSpc>
-              <a:buNone/>
-            </a:pPr>
-            <a:endParaRPr lang="pt-BR" sz="3600" b="1" dirty="0" smtClean="0">
-              <a:latin typeface="+mj-lt"/>
-            </a:endParaRPr>
+              <a:buFont typeface="Wingdings" pitchFamily="2" charset="2"/>
+              <a:buChar char="ü"/>
+            </a:pPr>
+            <a:r>
+              <a:rPr lang="pt-BR" sz="2400" b="1" smtClean="0"/>
+              <a:t>Franco (2002) aborda as questões acerca da Educação Infantil, ressaltando sua importância.</a:t>
+            </a:r>
           </a:p>
           <a:p>
             <a:pPr algn="just">
               <a:buNone/>
             </a:pPr>
-            <a:endParaRPr lang="pt-BR" sz="3600" dirty="0" smtClean="0"/>
-          </a:p>
-          <a:p>
-            <a:endParaRPr lang="pt-BR" dirty="0"/>
+            <a:endParaRPr lang="pt-BR" sz="2400" dirty="0" smtClean="0"/>
           </a:p>
         </p:txBody>
       </p:sp>
@@ -4359,33 +4121,36 @@
             <p:ph type="title"/>
           </p:nvPr>
         </p:nvSpPr>
-        <p:spPr/>
-        <p:txBody>
-          <a:bodyPr/>
-          <a:lstStyle/>
-          <a:p>
-            <a:r>
-              <a:rPr lang="pt-BR" b="1" dirty="0" smtClean="0"/>
-              <a:t>REFERÊNCIAS</a:t>
-            </a:r>
-            <a:endParaRPr lang="pt-BR" b="1" dirty="0"/>
-          </a:p>
-        </p:txBody>
-      </p:sp>
-      <p:sp>
-        <p:nvSpPr>
-          <p:cNvPr id="3" name="Espaço Reservado para Conteúdo 2"/>
-          <p:cNvSpPr>
-            <a:spLocks noGrp="1"/>
-          </p:cNvSpPr>
-          <p:nvPr>
-            <p:ph idx="1"/>
-          </p:nvPr>
-        </p:nvSpPr>
         <p:spPr>
           <a:xfrm>
-            <a:off x="457200" y="1600201"/>
-            <a:ext cx="8401080" cy="4525963"/>
+            <a:off x="428596" y="-1000155"/>
+            <a:ext cx="8229600" cy="500090"/>
+          </a:xfrm>
+        </p:spPr>
+        <p:txBody>
+          <a:bodyPr>
+            <a:normAutofit fontScale="90000"/>
+          </a:bodyPr>
+          <a:lstStyle/>
+          <a:p>
+            <a:endParaRPr lang="pt-BR" dirty="0"/>
+          </a:p>
+        </p:txBody>
+      </p:sp>
+      <p:sp>
+        <p:nvSpPr>
+          <p:cNvPr id="3" name="Espaço Reservado para Conteúdo 2"/>
+          <p:cNvSpPr>
+            <a:spLocks noGrp="1"/>
+          </p:cNvSpPr>
+          <p:nvPr>
+            <p:ph idx="1"/>
+          </p:nvPr>
+        </p:nvSpPr>
+        <p:spPr>
+          <a:xfrm>
+            <a:off x="457201" y="571481"/>
+            <a:ext cx="8229600" cy="5554683"/>
           </a:xfrm>
         </p:spPr>
         <p:txBody>
@@ -4394,78 +4159,127 @@
           </a:bodyPr>
           <a:lstStyle/>
           <a:p>
-            <a:pPr>
-              <a:lnSpc>
-                <a:spcPct val="150000"/>
-              </a:lnSpc>
-            </a:pPr>
+            <a:pPr algn="just">
+              <a:buFont typeface="Wingdings" pitchFamily="2" charset="2"/>
+              <a:buChar char="ü"/>
+            </a:pPr>
+            <a:endParaRPr lang="pt-BR" sz="2400" dirty="0" smtClean="0"/>
+          </a:p>
+          <a:p>
+            <a:pPr algn="just">
+              <a:buFont typeface="Wingdings" pitchFamily="2" charset="2"/>
+              <a:buChar char="ü"/>
+            </a:pPr>
+            <a:r>
+              <a:rPr lang="pt-BR" sz="2400" b="1" dirty="0" smtClean="0"/>
+              <a:t>Marcílio ( 1998) aborda os principais avanços no que diz respeito aos direitos da criança, incluindo assim o direito a Educação Infantil.</a:t>
+            </a:r>
+          </a:p>
+          <a:p>
+            <a:pPr algn="just">
+              <a:buFont typeface="Wingdings" pitchFamily="2" charset="2"/>
+              <a:buChar char="ü"/>
+            </a:pPr>
+            <a:endParaRPr lang="pt-BR" sz="2400" b="1" dirty="0" smtClean="0"/>
+          </a:p>
+          <a:p>
+            <a:pPr algn="just">
+              <a:buFont typeface="Wingdings" pitchFamily="2" charset="2"/>
+              <a:buChar char="ü"/>
+            </a:pPr>
+            <a:r>
+              <a:rPr lang="pt-BR" sz="2400" b="1" dirty="0" smtClean="0"/>
+              <a:t>Ramos (2010) retrata as condições em que as crianças viviam, apontando todo o processo que resultou na fundação das instituições de Educação Infantil.</a:t>
+            </a:r>
+          </a:p>
+          <a:p>
+            <a:pPr algn="just">
+              <a:buFont typeface="Wingdings" pitchFamily="2" charset="2"/>
+              <a:buChar char="ü"/>
+            </a:pPr>
+            <a:endParaRPr lang="pt-BR" sz="2400" b="1" dirty="0" smtClean="0"/>
+          </a:p>
+          <a:p>
+            <a:pPr algn="just">
+              <a:buFont typeface="Wingdings" pitchFamily="2" charset="2"/>
+              <a:buChar char="ü"/>
+            </a:pPr>
+            <a:r>
+              <a:rPr lang="pt-BR" sz="2400" b="1" dirty="0" smtClean="0"/>
+              <a:t>Hoffmann (1996) contribui para a compreensão sobre o desenvolvimento infantil, e toda a contribuição da Educação Infantil neste aspecto</a:t>
+            </a:r>
             <a:r>
               <a:rPr lang="pt-BR" sz="2400" dirty="0" smtClean="0"/>
-              <a:t>ALMEIDA, Paulo Nunes de. Educação Lúdica </a:t>
-            </a:r>
-            <a:r>
-              <a:rPr lang="pt-BR" sz="2400" b="1" dirty="0" smtClean="0"/>
-              <a:t>– técnicas e jogos pedagógicos. </a:t>
-            </a:r>
-            <a:r>
-              <a:rPr lang="pt-BR" sz="2400" dirty="0" smtClean="0"/>
-              <a:t>São Paulo: Edições Loyola, 1987.</a:t>
-            </a:r>
-          </a:p>
-          <a:p>
-            <a:pPr>
-              <a:lnSpc>
-                <a:spcPct val="150000"/>
-              </a:lnSpc>
-            </a:pPr>
-            <a:r>
-              <a:rPr lang="pt-BR" sz="2400" dirty="0" smtClean="0"/>
-              <a:t>ANDRÉ, </a:t>
-            </a:r>
-            <a:r>
-              <a:rPr lang="pt-BR" sz="2400" dirty="0" err="1" smtClean="0"/>
-              <a:t>Lenir</a:t>
-            </a:r>
-            <a:r>
-              <a:rPr lang="pt-BR" sz="2400" dirty="0" smtClean="0"/>
-              <a:t> Rosa. </a:t>
-            </a:r>
-            <a:r>
-              <a:rPr lang="pt-BR" sz="2400" b="1" dirty="0" smtClean="0"/>
-              <a:t>A formação do professor da educação infantil: Um Estudo de Caso. </a:t>
-            </a:r>
-            <a:r>
-              <a:rPr lang="pt-BR" sz="2400" dirty="0" smtClean="0"/>
-              <a:t>Dissertação de mestrado, digitalizada, Três Corações. 2004.</a:t>
-            </a:r>
-            <a:endParaRPr lang="pt-BR" sz="2400" i="1" dirty="0" smtClean="0"/>
-          </a:p>
-          <a:p>
-            <a:pPr>
-              <a:lnSpc>
-                <a:spcPct val="150000"/>
-              </a:lnSpc>
-            </a:pPr>
-            <a:r>
-              <a:rPr lang="pt-BR" sz="2400" dirty="0" smtClean="0"/>
-              <a:t>ARIÈS, Philippe</a:t>
-            </a:r>
-            <a:r>
-              <a:rPr lang="pt-BR" sz="2400" i="1" dirty="0" smtClean="0"/>
               <a:t>.</a:t>
             </a:r>
-            <a:r>
-              <a:rPr lang="pt-BR" sz="2400" b="1" i="1" dirty="0" smtClean="0"/>
-              <a:t> </a:t>
-            </a:r>
-            <a:r>
-              <a:rPr lang="pt-BR" sz="2400" b="1" dirty="0" smtClean="0"/>
-              <a:t>História social da criança e da família. </a:t>
-            </a:r>
-            <a:r>
-              <a:rPr lang="pt-BR" sz="2400" dirty="0" smtClean="0"/>
-              <a:t>Rio de Janeiro, Editora LCT, 1981. </a:t>
-            </a:r>
+          </a:p>
+          <a:p>
+            <a:pPr algn="just">
+              <a:buFont typeface="Wingdings" pitchFamily="2" charset="2"/>
+              <a:buChar char="ü"/>
+            </a:pPr>
+            <a:endParaRPr lang="pt-BR" sz="2400" dirty="0" smtClean="0"/>
+          </a:p>
+          <a:p>
+            <a:pPr algn="just">
+              <a:buFont typeface="Wingdings" pitchFamily="2" charset="2"/>
+              <a:buChar char="ü"/>
+            </a:pPr>
+            <a:endParaRPr lang="pt-BR" sz="2400" dirty="0" smtClean="0"/>
+          </a:p>
+          <a:p>
+            <a:pPr algn="just">
+              <a:buFont typeface="Wingdings" pitchFamily="2" charset="2"/>
+              <a:buChar char="ü"/>
+            </a:pPr>
+            <a:endParaRPr lang="pt-BR" sz="2400" dirty="0" smtClean="0"/>
+          </a:p>
+          <a:p>
+            <a:pPr algn="just">
+              <a:buFont typeface="Wingdings" pitchFamily="2" charset="2"/>
+              <a:buChar char="ü"/>
+            </a:pPr>
+            <a:endParaRPr lang="pt-BR" sz="2400" dirty="0" smtClean="0"/>
+          </a:p>
+          <a:p>
+            <a:pPr algn="just">
+              <a:buFont typeface="Wingdings" pitchFamily="2" charset="2"/>
+              <a:buChar char="ü"/>
+            </a:pPr>
+            <a:endParaRPr lang="pt-BR" sz="2400" dirty="0" smtClean="0"/>
+          </a:p>
+          <a:p>
+            <a:pPr algn="just">
+              <a:buFont typeface="Wingdings" pitchFamily="2" charset="2"/>
+              <a:buChar char="ü"/>
+            </a:pPr>
+            <a:endParaRPr lang="pt-BR" sz="2400" dirty="0" smtClean="0"/>
+          </a:p>
+          <a:p>
+            <a:pPr algn="just">
+              <a:buFont typeface="Wingdings" pitchFamily="2" charset="2"/>
+              <a:buChar char="ü"/>
+            </a:pPr>
+            <a:endParaRPr lang="pt-BR" sz="2400" dirty="0" smtClean="0"/>
+          </a:p>
+          <a:p>
+            <a:pPr algn="just">
+              <a:buNone/>
+            </a:pPr>
+            <a:endParaRPr lang="pt-BR" sz="2400" dirty="0" smtClean="0"/>
+          </a:p>
+          <a:p>
+            <a:pPr algn="just">
+              <a:buNone/>
+            </a:pPr>
+            <a:endParaRPr lang="pt-BR" sz="2400" dirty="0" smtClean="0"/>
+          </a:p>
+          <a:p>
+            <a:pPr algn="just">
+              <a:buFont typeface="Wingdings" pitchFamily="2" charset="2"/>
+              <a:buChar char="ü"/>
+            </a:pPr>
+            <a:endParaRPr lang="pt-BR" sz="2400" dirty="0"/>
           </a:p>
         </p:txBody>
       </p:sp>
@@ -4513,71 +4327,88 @@
         </p:nvSpPr>
         <p:spPr>
           <a:xfrm>
-            <a:off x="457200" y="1600201"/>
-            <a:ext cx="8401080" cy="4525963"/>
+            <a:off x="457201" y="714357"/>
+            <a:ext cx="8229600" cy="5411807"/>
           </a:xfrm>
         </p:spPr>
         <p:txBody>
           <a:bodyPr>
-            <a:normAutofit fontScale="92500" lnSpcReduction="10000"/>
+            <a:normAutofit lnSpcReduction="10000"/>
           </a:bodyPr>
           <a:lstStyle/>
           <a:p>
             <a:pPr>
-              <a:lnSpc>
-                <a:spcPct val="150000"/>
-              </a:lnSpc>
-            </a:pPr>
-            <a:r>
-              <a:rPr lang="pt-BR" sz="2400" dirty="0" smtClean="0"/>
-              <a:t>BRASIL. </a:t>
-            </a:r>
+              <a:buNone/>
+            </a:pPr>
+            <a:endParaRPr lang="pt-BR" sz="2400" dirty="0" smtClean="0"/>
+          </a:p>
+          <a:p>
+            <a:pPr algn="just">
+              <a:buFont typeface="Wingdings" pitchFamily="2" charset="2"/>
+              <a:buChar char="ü"/>
+            </a:pPr>
             <a:r>
               <a:rPr lang="pt-BR" sz="2400" b="1" dirty="0" smtClean="0"/>
-              <a:t>Ministério de Educação e do Desporto. Secretaria de Educação Fundamental. Referencial Curricular Nacional para Educação Infantil</a:t>
-            </a:r>
-            <a:r>
-              <a:rPr lang="pt-BR" sz="2400" dirty="0" smtClean="0"/>
-              <a:t>. V. I, II, III. Brasília: MEC/SEF, 1998.</a:t>
-            </a:r>
-          </a:p>
-          <a:p>
-            <a:pPr>
-              <a:lnSpc>
-                <a:spcPct val="150000"/>
-              </a:lnSpc>
-            </a:pPr>
-            <a:r>
-              <a:rPr lang="pt-BR" sz="2400" dirty="0" smtClean="0"/>
-              <a:t>BRASIL. </a:t>
+              <a:t>Salles e Faria (2012) discute as principais características da Educação Infantil </a:t>
             </a:r>
             <a:r>
               <a:rPr lang="pt-BR" sz="2400" b="1" dirty="0" smtClean="0"/>
-              <a:t>Ministério da Educação. Secretaria de Educação Básica. Diretrizes Curriculares Nacional para a Educação Infantil/Secretaria de Educação Básica</a:t>
-            </a:r>
-            <a:r>
-              <a:rPr lang="pt-BR" sz="2400" dirty="0" smtClean="0"/>
-              <a:t>. -. Brasília: MEC, SEB, 2010.</a:t>
-            </a:r>
-          </a:p>
-          <a:p>
-            <a:pPr>
-              <a:lnSpc>
-                <a:spcPct val="150000"/>
-              </a:lnSpc>
-            </a:pPr>
-            <a:r>
-              <a:rPr lang="pt-BR" sz="2400" dirty="0" smtClean="0"/>
-              <a:t>CAMPOS, Maria Malta. ROSEMBERG, Fúlvia. FERREIRA, Isabel M. </a:t>
+              <a:t>destacando </a:t>
             </a:r>
             <a:r>
               <a:rPr lang="pt-BR" sz="2400" b="1" dirty="0" smtClean="0"/>
-              <a:t>Creches e pré-escolas no Brasil</a:t>
-            </a:r>
-            <a:r>
-              <a:rPr lang="pt-BR" sz="2400" dirty="0" smtClean="0"/>
-              <a:t>. 2ª Ed. São Paulo: Cortez; Fundação Carlos Chagas, 1995.</a:t>
-            </a:r>
+              <a:t>as contribuições destes espaços escolares e do papel do professor no desenvolvimento da criança.</a:t>
+            </a:r>
+          </a:p>
+          <a:p>
+            <a:pPr algn="just">
+              <a:buNone/>
+            </a:pPr>
+            <a:endParaRPr lang="pt-BR" sz="2400" b="1" dirty="0" smtClean="0"/>
+          </a:p>
+          <a:p>
+            <a:pPr algn="just">
+              <a:buFont typeface="Wingdings" pitchFamily="2" charset="2"/>
+              <a:buChar char="ü"/>
+            </a:pPr>
+            <a:r>
+              <a:rPr lang="pt-BR" sz="2400" b="1" dirty="0" smtClean="0"/>
+              <a:t>Kramer ( 1991 e 1982) ressalta a trajetória da educação para crianças, e todo os entraves que foram encontrados durante este percurso até o reconhecimento da sua importância para o desenvolvimento da criança de zero a cinco anos</a:t>
+            </a:r>
+            <a:r>
+              <a:rPr lang="pt-BR" sz="2400" b="1" dirty="0" smtClean="0"/>
+              <a:t>.</a:t>
+            </a:r>
+            <a:endParaRPr lang="pt-BR" sz="2400" b="1" dirty="0" smtClean="0"/>
+          </a:p>
+          <a:p>
+            <a:pPr algn="just"/>
+            <a:endParaRPr lang="pt-BR" sz="2400" b="1" dirty="0" smtClean="0"/>
+          </a:p>
+          <a:p>
+            <a:pPr algn="just">
+              <a:buFont typeface="Wingdings" pitchFamily="2" charset="2"/>
+              <a:buChar char="ü"/>
+            </a:pPr>
+            <a:r>
+              <a:rPr lang="pt-BR" sz="2400" b="1" dirty="0" smtClean="0"/>
+              <a:t>André </a:t>
+            </a:r>
+            <a:r>
+              <a:rPr lang="pt-BR" sz="2400" b="1" dirty="0" smtClean="0"/>
+              <a:t>(2004) reflete sobre história da criança, o sentimento da infância, e os direitos que </a:t>
+            </a:r>
+            <a:r>
+              <a:rPr lang="pt-BR" sz="2400" b="1" dirty="0" smtClean="0"/>
+              <a:t>foram </a:t>
+            </a:r>
+            <a:r>
+              <a:rPr lang="pt-BR" sz="2400" b="1" dirty="0" smtClean="0"/>
+              <a:t>adquiridos pela mesma ao longo da sua história.</a:t>
+            </a:r>
+          </a:p>
+          <a:p>
+            <a:endParaRPr lang="pt-BR" sz="2400" dirty="0" smtClean="0"/>
           </a:p>
         </p:txBody>
       </p:sp>
@@ -4615,6 +4446,31 @@
       </p:grpSpPr>
       <p:sp>
         <p:nvSpPr>
+          <p:cNvPr id="2" name="Título 1"/>
+          <p:cNvSpPr>
+            <a:spLocks noGrp="1"/>
+          </p:cNvSpPr>
+          <p:nvPr>
+            <p:ph type="title"/>
+          </p:nvPr>
+        </p:nvSpPr>
+        <p:spPr/>
+        <p:txBody>
+          <a:bodyPr>
+            <a:normAutofit/>
+          </a:bodyPr>
+          <a:lstStyle/>
+          <a:p>
+            <a:r>
+              <a:rPr lang="pt-BR" b="1" dirty="0" smtClean="0"/>
+              <a:t>METODOLOGIA</a:t>
+            </a:r>
+            <a:endParaRPr lang="pt-BR" b="1" dirty="0"/>
+          </a:p>
+        </p:txBody>
+      </p:sp>
+      <p:sp>
+        <p:nvSpPr>
           <p:cNvPr id="3" name="Espaço Reservado para Conteúdo 2"/>
           <p:cNvSpPr>
             <a:spLocks noGrp="1"/>
@@ -4625,138 +4481,104 @@
         </p:nvSpPr>
         <p:spPr>
           <a:xfrm>
-            <a:off x="457200" y="1600201"/>
-            <a:ext cx="8401080" cy="4525963"/>
+            <a:off x="457201" y="1357299"/>
+            <a:ext cx="8229600" cy="5000660"/>
           </a:xfrm>
         </p:spPr>
         <p:txBody>
           <a:bodyPr>
-            <a:normAutofit lnSpcReduction="10000"/>
+            <a:normAutofit/>
           </a:bodyPr>
           <a:lstStyle/>
           <a:p>
-            <a:pPr>
+            <a:pPr algn="just">
               <a:lnSpc>
-                <a:spcPct val="150000"/>
+                <a:spcPct val="160000"/>
               </a:lnSpc>
-            </a:pPr>
-            <a:r>
-              <a:rPr lang="pt-BR" sz="2400" dirty="0" smtClean="0"/>
-              <a:t>CARVALHO, </a:t>
-            </a:r>
-            <a:r>
-              <a:rPr lang="pt-BR" sz="2400" dirty="0" err="1" smtClean="0"/>
-              <a:t>Alysson</a:t>
-            </a:r>
-            <a:r>
-              <a:rPr lang="pt-BR" sz="2400" dirty="0" smtClean="0"/>
-              <a:t>. SALLES, Fátima. GUIMARÃES, </a:t>
-            </a:r>
-            <a:r>
-              <a:rPr lang="pt-BR" sz="2400" dirty="0" err="1" smtClean="0"/>
-              <a:t>Marilia</a:t>
-            </a:r>
-            <a:r>
-              <a:rPr lang="pt-BR" sz="2400" dirty="0" smtClean="0"/>
-              <a:t> . </a:t>
-            </a:r>
+              <a:buFont typeface="Wingdings" pitchFamily="2" charset="2"/>
+              <a:buChar char="ü"/>
+            </a:pPr>
             <a:r>
               <a:rPr lang="pt-BR" sz="2400" b="1" dirty="0" smtClean="0"/>
-              <a:t>Desenvolvimento e Aprendizagem. </a:t>
-            </a:r>
-            <a:r>
-              <a:rPr lang="pt-BR" sz="2400" dirty="0" smtClean="0"/>
-              <a:t>Belo Horizonte: Editora UFMG; </a:t>
-            </a:r>
-            <a:r>
-              <a:rPr lang="pt-BR" sz="2400" dirty="0" err="1" smtClean="0"/>
-              <a:t>Proex</a:t>
-            </a:r>
-            <a:r>
-              <a:rPr lang="pt-BR" sz="2400" dirty="0" smtClean="0"/>
-              <a:t>- UFMG, 2002.</a:t>
-            </a:r>
-          </a:p>
-          <a:p>
-            <a:pPr>
+              <a:t> </a:t>
+            </a:r>
+            <a:r>
+              <a:rPr lang="pt-BR" altLang="pt-BR" sz="2400" b="1" dirty="0" smtClean="0">
+                <a:solidFill>
+                  <a:srgbClr val="000000"/>
+                </a:solidFill>
+                <a:cs typeface="Arial" charset="0"/>
+              </a:rPr>
+              <a:t>Tipo de pesquisa: </a:t>
+            </a:r>
+            <a:r>
+              <a:rPr lang="pt-BR" sz="2400" b="1" dirty="0" smtClean="0"/>
+              <a:t>Abordagem Qualitativa.</a:t>
+            </a:r>
+          </a:p>
+          <a:p>
+            <a:pPr algn="just">
               <a:lnSpc>
-                <a:spcPct val="150000"/>
+                <a:spcPct val="160000"/>
               </a:lnSpc>
-            </a:pPr>
-            <a:r>
-              <a:rPr lang="pt-BR" sz="2400" dirty="0" smtClean="0"/>
-              <a:t>COSTA, Márcia Rosa </a:t>
-            </a:r>
-            <a:r>
-              <a:rPr lang="pt-BR" sz="2400" dirty="0" err="1" smtClean="0"/>
-              <a:t>da.</a:t>
-            </a:r>
-            <a:r>
-              <a:rPr lang="pt-BR" sz="2400" dirty="0" smtClean="0"/>
-              <a:t> </a:t>
+              <a:buFont typeface="Wingdings" pitchFamily="2" charset="2"/>
+              <a:buChar char="ü"/>
+            </a:pPr>
+            <a:r>
+              <a:rPr lang="pt-BR" altLang="pt-BR" sz="2400" b="1" dirty="0" smtClean="0">
+                <a:solidFill>
+                  <a:srgbClr val="000000"/>
+                </a:solidFill>
+                <a:cs typeface="Arial" charset="0"/>
+              </a:rPr>
+              <a:t>Instituição ou local pesquisado: </a:t>
             </a:r>
             <a:r>
               <a:rPr lang="pt-BR" sz="2400" b="1" dirty="0" smtClean="0"/>
-              <a:t>Eu também quero falar: um estudo sobre infância, violência e educação.</a:t>
-            </a:r>
-            <a:r>
-              <a:rPr lang="pt-BR" sz="2400" dirty="0" smtClean="0"/>
-              <a:t> In: </a:t>
-            </a:r>
+              <a:t>Instituição da rede privada e outra da rede pública, ambas de Divinópolis MG.</a:t>
+            </a:r>
+          </a:p>
+          <a:p>
+            <a:pPr algn="just">
+              <a:lnSpc>
+                <a:spcPct val="160000"/>
+              </a:lnSpc>
+              <a:buFont typeface="Wingdings" pitchFamily="2" charset="2"/>
+              <a:buChar char="ü"/>
+            </a:pPr>
             <a:r>
               <a:rPr lang="pt-BR" sz="2400" b="1" dirty="0" smtClean="0"/>
-              <a:t>INFÂNCIA – forma de conceber e tratar a infância</a:t>
-            </a:r>
-            <a:r>
-              <a:rPr lang="pt-BR" sz="2400" i="1" dirty="0" smtClean="0"/>
-              <a:t>. </a:t>
-            </a:r>
-            <a:r>
-              <a:rPr lang="pt-BR" sz="2400" dirty="0" smtClean="0"/>
-              <a:t>Porto Alegre, 2000. </a:t>
-            </a:r>
-          </a:p>
-          <a:p>
-            <a:pPr>
+              <a:t>Sujeitos envolvidos na pesquisa: 10 professoras de Educação Infantil.</a:t>
+            </a:r>
+          </a:p>
+          <a:p>
+            <a:pPr algn="ctr">
               <a:lnSpc>
-                <a:spcPct val="150000"/>
+                <a:spcPct val="160000"/>
               </a:lnSpc>
-            </a:pPr>
-            <a:r>
-              <a:rPr lang="pt-BR" sz="2400" dirty="0" smtClean="0"/>
-              <a:t>CRAIY, Maria. KAERCHER, </a:t>
-            </a:r>
-            <a:r>
-              <a:rPr lang="pt-BR" sz="2400" dirty="0" err="1" smtClean="0"/>
-              <a:t>Gládis</a:t>
-            </a:r>
-            <a:r>
-              <a:rPr lang="pt-BR" sz="2400" dirty="0" smtClean="0"/>
-              <a:t> </a:t>
-            </a:r>
-            <a:r>
-              <a:rPr lang="pt-BR" sz="2400" dirty="0" err="1" smtClean="0"/>
-              <a:t>Elise</a:t>
-            </a:r>
-            <a:r>
-              <a:rPr lang="pt-BR" sz="2400" dirty="0" smtClean="0"/>
-              <a:t> P. da Silva. </a:t>
-            </a:r>
+              <a:buNone/>
+            </a:pPr>
+            <a:r>
+              <a:rPr lang="pt-BR" altLang="pt-BR" b="1" dirty="0" smtClean="0">
+                <a:solidFill>
+                  <a:srgbClr val="000000"/>
+                </a:solidFill>
+                <a:cs typeface="Arial" charset="0"/>
+              </a:rPr>
+              <a:t>Coleta de dados: </a:t>
+            </a:r>
+          </a:p>
+          <a:p>
+            <a:pPr algn="just">
+              <a:lnSpc>
+                <a:spcPct val="160000"/>
+              </a:lnSpc>
+              <a:buFont typeface="Wingdings" pitchFamily="2" charset="2"/>
+              <a:buChar char="ü"/>
+            </a:pPr>
             <a:r>
               <a:rPr lang="pt-BR" sz="2400" b="1" dirty="0" smtClean="0"/>
-              <a:t>Educação Infantil: Pra quê te quero?</a:t>
-            </a:r>
-            <a:r>
-              <a:rPr lang="pt-BR" sz="2400" dirty="0" smtClean="0"/>
-              <a:t> Porto Alegre: </a:t>
-            </a:r>
-            <a:r>
-              <a:rPr lang="pt-BR" sz="2400" dirty="0" err="1" smtClean="0"/>
-              <a:t>Artmed</a:t>
-            </a:r>
-            <a:r>
-              <a:rPr lang="pt-BR" sz="2400" dirty="0" smtClean="0"/>
-              <a:t>, 2001. 164 p. </a:t>
+              <a:t>Aplicação de questionários contendo 8 questões abertas.</a:t>
             </a:r>
           </a:p>
         </p:txBody>
@@ -4805,114 +4627,148 @@
         </p:nvSpPr>
         <p:spPr/>
         <p:txBody>
+          <a:bodyPr>
+            <a:normAutofit fontScale="90000"/>
+          </a:bodyPr>
+          <a:lstStyle/>
+          <a:p>
+            <a:r>
+              <a:rPr lang="pt-BR" altLang="pt-BR" b="1" dirty="0" smtClean="0">
+                <a:solidFill>
+                  <a:srgbClr val="000000"/>
+                </a:solidFill>
+                <a:cs typeface="Arial" charset="0"/>
+              </a:rPr>
+              <a:t/>
+            </a:r>
+            <a:br>
+              <a:rPr lang="pt-BR" altLang="pt-BR" b="1" dirty="0" smtClean="0">
+                <a:solidFill>
+                  <a:srgbClr val="000000"/>
+                </a:solidFill>
+                <a:cs typeface="Arial" charset="0"/>
+              </a:rPr>
+            </a:br>
+            <a:r>
+              <a:rPr lang="pt-BR" altLang="pt-BR" sz="3600" b="1" dirty="0" smtClean="0">
+                <a:solidFill>
+                  <a:srgbClr val="000000"/>
+                </a:solidFill>
+                <a:cs typeface="Arial" charset="0"/>
+              </a:rPr>
+              <a:t>Forma de tratamento dos dados:</a:t>
+            </a:r>
+            <a:r>
+              <a:rPr lang="pt-BR" altLang="pt-BR" b="1" dirty="0" smtClean="0">
+                <a:solidFill>
+                  <a:srgbClr val="000000"/>
+                </a:solidFill>
+                <a:cs typeface="Arial" charset="0"/>
+              </a:rPr>
+              <a:t/>
+            </a:r>
+            <a:br>
+              <a:rPr lang="pt-BR" altLang="pt-BR" b="1" dirty="0" smtClean="0">
+                <a:solidFill>
+                  <a:srgbClr val="000000"/>
+                </a:solidFill>
+                <a:cs typeface="Arial" charset="0"/>
+              </a:rPr>
+            </a:br>
+            <a:endParaRPr lang="pt-BR" dirty="0"/>
+          </a:p>
+        </p:txBody>
+      </p:sp>
+      <p:sp>
+        <p:nvSpPr>
+          <p:cNvPr id="3" name="Espaço Reservado para Conteúdo 2"/>
+          <p:cNvSpPr>
+            <a:spLocks noGrp="1"/>
+          </p:cNvSpPr>
+          <p:nvPr>
+            <p:ph idx="1"/>
+          </p:nvPr>
+        </p:nvSpPr>
+        <p:spPr/>
+        <p:txBody>
           <a:bodyPr/>
           <a:lstStyle/>
           <a:p>
-            <a:endParaRPr lang="pt-BR"/>
-          </a:p>
-        </p:txBody>
-      </p:sp>
-      <p:sp>
-        <p:nvSpPr>
-          <p:cNvPr id="3" name="Espaço Reservado para Conteúdo 2"/>
-          <p:cNvSpPr>
-            <a:spLocks noGrp="1"/>
-          </p:cNvSpPr>
-          <p:nvPr>
-            <p:ph idx="1"/>
-          </p:nvPr>
-        </p:nvSpPr>
-        <p:spPr/>
-        <p:txBody>
-          <a:bodyPr>
-            <a:noAutofit/>
-          </a:bodyPr>
-          <a:lstStyle/>
-          <a:p>
-            <a:pPr>
+            <a:pPr algn="just">
               <a:lnSpc>
                 <a:spcPct val="160000"/>
               </a:lnSpc>
-            </a:pPr>
-            <a:r>
-              <a:rPr lang="pt-BR" sz="2400" dirty="0" smtClean="0"/>
-              <a:t>FRANCO, Márcia E. </a:t>
-            </a:r>
-            <a:r>
-              <a:rPr lang="pt-BR" sz="2400" dirty="0" err="1" smtClean="0"/>
-              <a:t>Wilke</a:t>
-            </a:r>
-            <a:r>
-              <a:rPr lang="pt-BR" sz="2400" dirty="0" smtClean="0"/>
-              <a:t>. </a:t>
-            </a:r>
+              <a:buFont typeface="Wingdings" pitchFamily="2" charset="2"/>
+              <a:buChar char="ü"/>
+            </a:pPr>
             <a:r>
               <a:rPr lang="pt-BR" sz="2400" b="1" dirty="0" smtClean="0"/>
-              <a:t>Compreendendo a Infância. </a:t>
-            </a:r>
-            <a:r>
-              <a:rPr lang="pt-BR" sz="2400" dirty="0" smtClean="0"/>
-              <a:t>Porto Alegre: Mediação, 2002, 80p.</a:t>
+              <a:t>Análise das respostas das professoras.</a:t>
+            </a:r>
+          </a:p>
+          <a:p>
+            <a:pPr algn="just">
+              <a:buFont typeface="Wingdings" pitchFamily="2" charset="2"/>
+              <a:buChar char="ü"/>
+            </a:pPr>
+            <a:r>
+              <a:rPr lang="pt-BR" sz="2400" b="1" dirty="0" smtClean="0"/>
+              <a:t>Reflexão sobre a realidade vivenciada pelas professoras dentro das instituições em que elas trabalham.</a:t>
+            </a:r>
+          </a:p>
+          <a:p>
+            <a:pPr algn="ctr">
+              <a:buFont typeface="Wingdings" pitchFamily="2" charset="2"/>
+              <a:buChar char="ü"/>
+            </a:pPr>
+            <a:endParaRPr lang="pt-BR" sz="2400" b="1" dirty="0" smtClean="0"/>
+          </a:p>
+          <a:p>
+            <a:pPr algn="ctr">
+              <a:buNone/>
+            </a:pPr>
+            <a:r>
+              <a:rPr lang="pt-BR" altLang="pt-BR" b="1" dirty="0" smtClean="0">
+                <a:solidFill>
+                  <a:srgbClr val="000000"/>
+                </a:solidFill>
+                <a:cs typeface="Arial" charset="0"/>
+              </a:rPr>
+              <a:t>Limitação do método utilizado: </a:t>
+            </a:r>
+          </a:p>
+          <a:p>
+            <a:pPr algn="just">
+              <a:buFont typeface="Wingdings" pitchFamily="2" charset="2"/>
+              <a:buChar char="ü"/>
+            </a:pPr>
+            <a:endParaRPr lang="pt-BR" altLang="pt-BR" sz="2400" b="1" dirty="0" smtClean="0">
+              <a:solidFill>
+                <a:srgbClr val="000000"/>
+              </a:solidFill>
+              <a:cs typeface="Arial" charset="0"/>
+            </a:endParaRPr>
+          </a:p>
+          <a:p>
+            <a:pPr algn="just">
+              <a:buFont typeface="Wingdings" pitchFamily="2" charset="2"/>
+              <a:buChar char="ü"/>
+            </a:pPr>
+            <a:r>
+              <a:rPr lang="pt-BR" altLang="pt-BR" sz="2400" b="1" dirty="0" smtClean="0">
+                <a:solidFill>
+                  <a:srgbClr val="000000"/>
+                </a:solidFill>
+                <a:cs typeface="Arial" charset="0"/>
+              </a:rPr>
+              <a:t>Demora de algumas professoras para devolver o questionário, alegando a falta de tempo para responder as questões.</a:t>
             </a:r>
           </a:p>
           <a:p>
             <a:pPr>
-              <a:lnSpc>
-                <a:spcPct val="160000"/>
-              </a:lnSpc>
-            </a:pPr>
-            <a:r>
-              <a:rPr lang="pt-BR" sz="2400" dirty="0" smtClean="0"/>
-              <a:t>HOFFMANN, Jussara Maria </a:t>
-            </a:r>
-            <a:r>
-              <a:rPr lang="pt-BR" sz="2400" dirty="0" err="1" smtClean="0"/>
-              <a:t>Lerch</a:t>
-            </a:r>
-            <a:r>
-              <a:rPr lang="pt-BR" sz="2400" dirty="0" smtClean="0"/>
-              <a:t>. </a:t>
-            </a:r>
-            <a:r>
-              <a:rPr lang="pt-BR" sz="2400" b="1" dirty="0" smtClean="0"/>
-              <a:t>Avaliação na pré-escola: um olhar sensível e </a:t>
-            </a:r>
-            <a:r>
-              <a:rPr lang="pt-BR" sz="2400" b="1" dirty="0" err="1" smtClean="0"/>
-              <a:t>relfexivo</a:t>
-            </a:r>
-            <a:r>
-              <a:rPr lang="pt-BR" sz="2400" b="1" dirty="0" smtClean="0"/>
-              <a:t> sobre a criança</a:t>
-            </a:r>
-            <a:r>
-              <a:rPr lang="pt-BR" sz="2400" dirty="0" smtClean="0"/>
-              <a:t>. Porto Alegre: Mediação, 1996.</a:t>
-            </a:r>
-          </a:p>
-          <a:p>
-            <a:pPr>
-              <a:lnSpc>
-                <a:spcPct val="160000"/>
-              </a:lnSpc>
-            </a:pPr>
-            <a:r>
-              <a:rPr lang="pt-BR" sz="2400" dirty="0" smtClean="0"/>
-              <a:t>KRAMER, Sonia (coord.). </a:t>
-            </a:r>
-            <a:r>
-              <a:rPr lang="pt-BR" sz="2400" b="1" dirty="0" smtClean="0"/>
-              <a:t>Com a pré-escola nas mãos. Uma alternativa curricular para a educação infantil</a:t>
-            </a:r>
-            <a:r>
-              <a:rPr lang="pt-BR" sz="2400" dirty="0" smtClean="0"/>
-              <a:t>. São Paulo: Ática, 1991</a:t>
-            </a:r>
-            <a:r>
-              <a:rPr lang="pt-BR" sz="2400" dirty="0" smtClean="0"/>
-              <a:t>.</a:t>
-            </a:r>
-            <a:endParaRPr lang="pt-BR" sz="2400" dirty="0" smtClean="0"/>
+              <a:buNone/>
+            </a:pPr>
+            <a:endParaRPr lang="pt-BR" dirty="0"/>
           </a:p>
         </p:txBody>
       </p:sp>
@@ -4921,6 +4777,13 @@
   <p:clrMapOvr>
     <a:masterClrMapping/>
   </p:clrMapOvr>
+  <p:timing>
+    <p:tnLst>
+      <p:par>
+        <p:cTn id="1" dur="indefinite" restart="never" nodeType="tmRoot"/>
+      </p:par>
+    </p:tnLst>
+  </p:timing>
 </p:sld>
 </file>
 
@@ -4956,7 +4819,11 @@
           <a:bodyPr/>
           <a:lstStyle/>
           <a:p>
-            <a:endParaRPr lang="pt-BR"/>
+            <a:r>
+              <a:rPr lang="pt-BR" b="1" dirty="0" smtClean="0"/>
+              <a:t>CONSIDERAÇÕES FINAIS</a:t>
+            </a:r>
+            <a:endParaRPr lang="pt-BR" b="1" dirty="0"/>
           </a:p>
         </p:txBody>
       </p:sp>
@@ -4970,88 +4837,83 @@
             <p:ph idx="1"/>
           </p:nvPr>
         </p:nvSpPr>
-        <p:spPr/>
+        <p:spPr>
+          <a:xfrm>
+            <a:off x="457200" y="1428737"/>
+            <a:ext cx="8401080" cy="4697427"/>
+          </a:xfrm>
+        </p:spPr>
         <p:txBody>
           <a:bodyPr>
-            <a:normAutofit fontScale="85000" lnSpcReduction="10000"/>
+            <a:normAutofit fontScale="47500" lnSpcReduction="20000"/>
           </a:bodyPr>
           <a:lstStyle/>
           <a:p>
-            <a:pPr>
+            <a:pPr algn="just">
               <a:lnSpc>
-                <a:spcPct val="150000"/>
+                <a:spcPct val="170000"/>
               </a:lnSpc>
-            </a:pPr>
-            <a:r>
-              <a:rPr lang="pt-BR" dirty="0" smtClean="0"/>
-              <a:t>KRAMER</a:t>
-            </a:r>
-            <a:r>
-              <a:rPr lang="pt-BR" dirty="0" smtClean="0"/>
-              <a:t>, Sônia. </a:t>
-            </a:r>
-            <a:r>
-              <a:rPr lang="pt-BR" b="1" dirty="0" smtClean="0"/>
-              <a:t>A política do pré-escolar no Brasil: a arte do disfarce</a:t>
-            </a:r>
-            <a:r>
-              <a:rPr lang="pt-BR" dirty="0" smtClean="0"/>
-              <a:t>. Rio de Janeiro: </a:t>
-            </a:r>
-            <a:r>
-              <a:rPr lang="pt-BR" dirty="0" err="1" smtClean="0"/>
-              <a:t>Achiamé</a:t>
-            </a:r>
-            <a:r>
-              <a:rPr lang="pt-BR" dirty="0" smtClean="0"/>
-              <a:t>, 1982. 130p.</a:t>
-            </a:r>
-          </a:p>
-          <a:p>
-            <a:pPr>
+              <a:buNone/>
+            </a:pPr>
+            <a:r>
+              <a:rPr lang="pt-BR" sz="4400" b="1" dirty="0" smtClean="0"/>
+              <a:t>    Como a Educação Infantil tem contribuído para o desenvolvimento da criança de zero a cinco anos dentro das instituições?</a:t>
+            </a:r>
+          </a:p>
+          <a:p>
+            <a:pPr algn="just">
               <a:lnSpc>
-                <a:spcPct val="150000"/>
+                <a:spcPct val="170000"/>
               </a:lnSpc>
-            </a:pPr>
-            <a:r>
-              <a:rPr lang="pt-BR" dirty="0" smtClean="0"/>
-              <a:t>MACHADO, Patrícia </a:t>
-            </a:r>
-            <a:r>
-              <a:rPr lang="pt-BR" dirty="0" err="1" smtClean="0"/>
-              <a:t>Brum</a:t>
-            </a:r>
-            <a:r>
-              <a:rPr lang="pt-BR" dirty="0" smtClean="0"/>
-              <a:t>. </a:t>
-            </a:r>
-            <a:r>
-              <a:rPr lang="pt-BR" b="1" dirty="0" smtClean="0"/>
-              <a:t>Comportamento Infantil: estabelecendo limites</a:t>
-            </a:r>
-            <a:r>
-              <a:rPr lang="pt-BR" dirty="0" smtClean="0"/>
-              <a:t>. Porto Alegre, 2002.</a:t>
-            </a:r>
-          </a:p>
-          <a:p>
-            <a:pPr>
+              <a:buNone/>
+            </a:pPr>
+            <a:r>
+              <a:rPr lang="pt-BR" sz="4400" b="1" dirty="0" smtClean="0"/>
+              <a:t>    Quais os entraves encontrados dentro das instituições de Educação Infantil para a realização eficiente dente trabalho?</a:t>
+            </a:r>
+          </a:p>
+          <a:p>
+            <a:pPr algn="just">
               <a:lnSpc>
-                <a:spcPct val="150000"/>
+                <a:spcPct val="170000"/>
               </a:lnSpc>
-            </a:pPr>
-            <a:r>
-              <a:rPr lang="pt-BR" dirty="0" smtClean="0"/>
-              <a:t>MARCÍLIO, Maria Luiza. </a:t>
-            </a:r>
-            <a:r>
-              <a:rPr lang="pt-BR" b="1" dirty="0" smtClean="0"/>
-              <a:t>Revista USP</a:t>
-            </a:r>
-            <a:r>
-              <a:rPr lang="pt-BR" dirty="0" smtClean="0"/>
-              <a:t>. São Paulo. Março/Maio, 1998.</a:t>
-            </a:r>
+              <a:buFont typeface="Wingdings" pitchFamily="2" charset="2"/>
+              <a:buChar char="ü"/>
+            </a:pPr>
+            <a:r>
+              <a:rPr lang="pt-BR" sz="4400" b="1" dirty="0" smtClean="0"/>
+              <a:t>As hipóteses foram confirmadas.</a:t>
+            </a:r>
+          </a:p>
+          <a:p>
+            <a:pPr algn="just">
+              <a:lnSpc>
+                <a:spcPct val="170000"/>
+              </a:lnSpc>
+              <a:buFont typeface="Wingdings" pitchFamily="2" charset="2"/>
+              <a:buChar char="ü"/>
+            </a:pPr>
+            <a:r>
+              <a:rPr lang="pt-BR" sz="4400" b="1" dirty="0" smtClean="0"/>
+              <a:t>Constatou-se que a Educação Infantil é de extrema importância para a criança zero a cinco anos em todos os aspectos, e que o papel do professor é mediar experiências e vivencias que promovam o seu desenvolvimento integral.</a:t>
+            </a:r>
+          </a:p>
+          <a:p>
+            <a:pPr algn="just">
+              <a:lnSpc>
+                <a:spcPct val="170000"/>
+              </a:lnSpc>
+              <a:buNone/>
+            </a:pPr>
+            <a:endParaRPr lang="pt-BR" sz="3600" b="1" dirty="0" smtClean="0">
+              <a:latin typeface="+mj-lt"/>
+            </a:endParaRPr>
+          </a:p>
+          <a:p>
+            <a:pPr algn="just">
+              <a:buNone/>
+            </a:pPr>
+            <a:endParaRPr lang="pt-BR" sz="3600" dirty="0" smtClean="0"/>
           </a:p>
           <a:p>
             <a:endParaRPr lang="pt-BR" dirty="0"/>
@@ -5063,6 +4925,13 @@
   <p:clrMapOvr>
     <a:masterClrMapping/>
   </p:clrMapOvr>
+  <p:timing>
+    <p:tnLst>
+      <p:par>
+        <p:cTn id="1" dur="indefinite" restart="never" nodeType="tmRoot"/>
+      </p:par>
+    </p:tnLst>
+  </p:timing>
 </p:sld>
 </file>
 
@@ -5085,6 +4954,29 @@
       </p:grpSpPr>
       <p:sp>
         <p:nvSpPr>
+          <p:cNvPr id="2" name="Título 1"/>
+          <p:cNvSpPr>
+            <a:spLocks noGrp="1"/>
+          </p:cNvSpPr>
+          <p:nvPr>
+            <p:ph type="title"/>
+          </p:nvPr>
+        </p:nvSpPr>
+        <p:spPr/>
+        <p:txBody>
+          <a:bodyPr/>
+          <a:lstStyle/>
+          <a:p>
+            <a:r>
+              <a:rPr lang="pt-BR" b="1" dirty="0" smtClean="0"/>
+              <a:t>REFERÊNCIAS</a:t>
+            </a:r>
+            <a:endParaRPr lang="pt-BR" b="1" dirty="0"/>
+          </a:p>
+        </p:txBody>
+      </p:sp>
+      <p:sp>
+        <p:nvSpPr>
           <p:cNvPr id="3" name="Espaço Reservado para Conteúdo 2"/>
           <p:cNvSpPr>
             <a:spLocks noGrp="1"/>
@@ -5093,114 +4985,90 @@
             <p:ph idx="1"/>
           </p:nvPr>
         </p:nvSpPr>
-        <p:spPr/>
+        <p:spPr>
+          <a:xfrm>
+            <a:off x="457200" y="1600201"/>
+            <a:ext cx="8401080" cy="4525963"/>
+          </a:xfrm>
+        </p:spPr>
         <p:txBody>
           <a:bodyPr>
-            <a:normAutofit fontScale="62500" lnSpcReduction="20000"/>
+            <a:normAutofit/>
           </a:bodyPr>
           <a:lstStyle/>
           <a:p>
             <a:pPr>
               <a:lnSpc>
-                <a:spcPct val="170000"/>
+                <a:spcPct val="150000"/>
               </a:lnSpc>
             </a:pPr>
             <a:r>
-              <a:rPr lang="pt-BR" dirty="0" smtClean="0"/>
-              <a:t>RAMOS</a:t>
-            </a:r>
-            <a:r>
-              <a:rPr lang="pt-BR" dirty="0" smtClean="0"/>
-              <a:t>, Janaína Silmara Silva. </a:t>
-            </a:r>
-            <a:r>
-              <a:rPr lang="pt-BR" b="1" dirty="0" smtClean="0"/>
-              <a:t>Artigo para a XVIII Semana de Humanidades: Rotina na Educação Infantil: Saberes Docentes</a:t>
-            </a:r>
-            <a:r>
-              <a:rPr lang="pt-BR" dirty="0" smtClean="0"/>
-              <a:t>. Natal: UFRN, 2010. </a:t>
+              <a:rPr lang="pt-BR" sz="2400" dirty="0" smtClean="0"/>
+              <a:t>ALMEIDA, Paulo Nunes de. Educação Lúdica </a:t>
+            </a:r>
+            <a:r>
+              <a:rPr lang="pt-BR" sz="2400" b="1" dirty="0" smtClean="0"/>
+              <a:t>– técnicas e jogos pedagógicos. </a:t>
+            </a:r>
+            <a:r>
+              <a:rPr lang="pt-BR" sz="2400" dirty="0" smtClean="0"/>
+              <a:t>São Paulo: Edições Loyola, 1987.</a:t>
             </a:r>
           </a:p>
           <a:p>
             <a:pPr>
               <a:lnSpc>
-                <a:spcPct val="170000"/>
+                <a:spcPct val="150000"/>
               </a:lnSpc>
             </a:pPr>
             <a:r>
-              <a:rPr lang="pt-BR" dirty="0" smtClean="0"/>
-              <a:t>REDIN, Euclides. </a:t>
-            </a:r>
-            <a:r>
-              <a:rPr lang="pt-BR" b="1" dirty="0" smtClean="0"/>
-              <a:t>Educação Infantil: construção da cidadania e prática pedagógica.</a:t>
-            </a:r>
-            <a:r>
-              <a:rPr lang="pt-BR" dirty="0" smtClean="0"/>
-              <a:t> In: Paixão de aprender, n. 7. Porto Alegre, Jun. 1994, p.48-53.</a:t>
-            </a:r>
+              <a:rPr lang="pt-BR" sz="2400" dirty="0" smtClean="0"/>
+              <a:t>ANDRÉ, </a:t>
+            </a:r>
+            <a:r>
+              <a:rPr lang="pt-BR" sz="2400" dirty="0" err="1" smtClean="0"/>
+              <a:t>Lenir</a:t>
+            </a:r>
+            <a:r>
+              <a:rPr lang="pt-BR" sz="2400" dirty="0" smtClean="0"/>
+              <a:t> Rosa. </a:t>
+            </a:r>
+            <a:r>
+              <a:rPr lang="pt-BR" sz="2400" b="1" dirty="0" smtClean="0"/>
+              <a:t>A formação do professor da educação infantil: Um Estudo de Caso. </a:t>
+            </a:r>
+            <a:r>
+              <a:rPr lang="pt-BR" sz="2400" dirty="0" smtClean="0"/>
+              <a:t>Dissertação de mestrado, digitalizada, Três Corações. 2004.</a:t>
+            </a:r>
+            <a:endParaRPr lang="pt-BR" sz="2400" i="1" dirty="0" smtClean="0"/>
           </a:p>
           <a:p>
             <a:pPr>
               <a:lnSpc>
-                <a:spcPct val="170000"/>
+                <a:spcPct val="150000"/>
               </a:lnSpc>
             </a:pPr>
             <a:r>
-              <a:rPr lang="pt-BR" dirty="0" smtClean="0"/>
-              <a:t>ROCHA, Rita de Cássia </a:t>
-            </a:r>
-            <a:r>
-              <a:rPr lang="pt-BR" dirty="0" err="1" smtClean="0"/>
-              <a:t>Luíz</a:t>
-            </a:r>
-            <a:r>
-              <a:rPr lang="pt-BR" dirty="0" smtClean="0"/>
+              <a:rPr lang="pt-BR" sz="2400" dirty="0" smtClean="0"/>
+              <a:t>ARIÈS, Philippe</a:t>
+            </a:r>
+            <a:r>
+              <a:rPr lang="pt-BR" sz="2400" i="1" dirty="0" smtClean="0"/>
+              <a:t>.</a:t>
+            </a:r>
+            <a:r>
+              <a:rPr lang="pt-BR" sz="2400" b="1" i="1" dirty="0" smtClean="0"/>
               <a:t> </a:t>
             </a:r>
             <a:r>
-              <a:rPr lang="pt-BR" dirty="0" err="1" smtClean="0"/>
-              <a:t>da.</a:t>
-            </a:r>
-            <a:r>
-              <a:rPr lang="pt-BR" dirty="0" smtClean="0"/>
-              <a:t> </a:t>
-            </a:r>
-            <a:r>
-              <a:rPr lang="pt-BR" b="1" dirty="0" smtClean="0"/>
-              <a:t>História da infância: Reflexões acerca de algumas concepções correntes</a:t>
-            </a:r>
-            <a:r>
-              <a:rPr lang="pt-BR" i="1" dirty="0" smtClean="0"/>
-              <a:t>. </a:t>
-            </a:r>
-            <a:r>
-              <a:rPr lang="pt-BR" dirty="0" smtClean="0"/>
-              <a:t>Guarapuava, 2002.</a:t>
-            </a:r>
-          </a:p>
-          <a:p>
-            <a:pPr>
-              <a:lnSpc>
-                <a:spcPct val="170000"/>
-              </a:lnSpc>
-            </a:pPr>
-            <a:r>
-              <a:rPr lang="pt-BR" dirty="0" smtClean="0"/>
-              <a:t>SALLES, Fátima e FARIA, Vitória. </a:t>
-            </a:r>
-            <a:r>
-              <a:rPr lang="pt-BR" b="1" dirty="0" smtClean="0"/>
-              <a:t>Currículo na Educação Infantil: diálogo com os demais elementos da proposta pedagógica</a:t>
-            </a:r>
-            <a:r>
-              <a:rPr lang="pt-BR" dirty="0" smtClean="0"/>
-              <a:t>. Editora Ática; 2012. </a:t>
-            </a:r>
-          </a:p>
-          <a:p>
-            <a:endParaRPr lang="pt-BR" dirty="0"/>
+              <a:rPr lang="pt-BR" sz="2400" b="1" dirty="0" smtClean="0"/>
+              <a:t>História social da criança e da família. </a:t>
+            </a:r>
+            <a:r>
+              <a:rPr lang="pt-BR" sz="2400" dirty="0" smtClean="0"/>
+              <a:t>Rio de Janeiro, Editora LCT, 1981. </a:t>
+            </a:r>
           </a:p>
         </p:txBody>
       </p:sp>
@@ -5209,6 +5077,13 @@
   <p:clrMapOvr>
     <a:masterClrMapping/>
   </p:clrMapOvr>
+  <p:timing>
+    <p:tnLst>
+      <p:par>
+        <p:cTn id="1" dur="indefinite" restart="never" nodeType="tmRoot"/>
+      </p:par>
+    </p:tnLst>
+  </p:timing>
 </p:sld>
 </file>
 
@@ -5231,25 +5106,6 @@
       </p:grpSpPr>
       <p:sp>
         <p:nvSpPr>
-          <p:cNvPr id="2" name="Título 1"/>
-          <p:cNvSpPr>
-            <a:spLocks noGrp="1"/>
-          </p:cNvSpPr>
-          <p:nvPr>
-            <p:ph type="title"/>
-          </p:nvPr>
-        </p:nvSpPr>
-        <p:spPr/>
-        <p:txBody>
-          <a:bodyPr/>
-          <a:lstStyle/>
-          <a:p>
-            <a:endParaRPr lang="pt-BR"/>
-          </a:p>
-        </p:txBody>
-      </p:sp>
-      <p:sp>
-        <p:nvSpPr>
           <p:cNvPr id="3" name="Espaço Reservado para Conteúdo 2"/>
           <p:cNvSpPr>
             <a:spLocks noGrp="1"/>
@@ -5260,60 +5116,71 @@
         </p:nvSpPr>
         <p:spPr>
           <a:xfrm>
-            <a:off x="457201" y="1285861"/>
-            <a:ext cx="8229600" cy="4840304"/>
+            <a:off x="457200" y="1600201"/>
+            <a:ext cx="8401080" cy="4525963"/>
           </a:xfrm>
         </p:spPr>
         <p:txBody>
           <a:bodyPr>
-            <a:normAutofit/>
+            <a:normAutofit fontScale="92500" lnSpcReduction="10000"/>
           </a:bodyPr>
           <a:lstStyle/>
           <a:p>
-            <a:pPr algn="ctr">
-              <a:buNone/>
-            </a:pPr>
-            <a:r>
-              <a:rPr lang="pt-BR" sz="3600" b="1" i="1" dirty="0" smtClean="0">
-                <a:latin typeface="Aparajita" pitchFamily="34" charset="0"/>
-                <a:cs typeface="Aparajita" pitchFamily="34" charset="0"/>
-              </a:rPr>
-              <a:t>    </a:t>
-            </a:r>
-            <a:r>
-              <a:rPr lang="pt-BR" sz="3600" b="1" i="1" dirty="0" smtClean="0">
-                <a:latin typeface="Aparajita" pitchFamily="34" charset="0"/>
-                <a:cs typeface="Aparajita" pitchFamily="34" charset="0"/>
-              </a:rPr>
-              <a:t>“</a:t>
-            </a:r>
-            <a:r>
-              <a:rPr lang="pt-BR" sz="4000" b="1" i="1" dirty="0" smtClean="0">
-                <a:latin typeface="Aparajita" pitchFamily="34" charset="0"/>
-                <a:cs typeface="Aparajita" pitchFamily="34" charset="0"/>
-              </a:rPr>
-              <a:t>a escola não modifica a sociedade, mas pode contribuir para a mudança se desempenhar o seu papel de ensinar criticamente, fornecendo os instrumentos básicos para o exercício da cidadania”</a:t>
-            </a:r>
-            <a:endParaRPr lang="pt-BR" sz="4000" b="1" i="1" dirty="0" smtClean="0">
-              <a:latin typeface="Aparajita" pitchFamily="34" charset="0"/>
-              <a:cs typeface="Aparajita" pitchFamily="34" charset="0"/>
-            </a:endParaRPr>
-          </a:p>
-          <a:p>
-            <a:pPr algn="r">
-              <a:buNone/>
-            </a:pPr>
-            <a:r>
-              <a:rPr lang="pt-BR" sz="4000" b="1" i="1" dirty="0" smtClean="0">
-                <a:latin typeface="Aparajita" pitchFamily="34" charset="0"/>
-                <a:cs typeface="Aparajita" pitchFamily="34" charset="0"/>
-              </a:rPr>
-              <a:t>Sônia Kramer</a:t>
-            </a:r>
-            <a:endParaRPr lang="pt-BR" sz="4000" b="1" i="1" dirty="0">
-              <a:latin typeface="Aparajita" pitchFamily="34" charset="0"/>
-              <a:cs typeface="Aparajita" pitchFamily="34" charset="0"/>
-            </a:endParaRPr>
+            <a:pPr>
+              <a:lnSpc>
+                <a:spcPct val="150000"/>
+              </a:lnSpc>
+            </a:pPr>
+            <a:r>
+              <a:rPr lang="pt-BR" sz="2400" dirty="0" smtClean="0"/>
+              <a:t>BRASIL. </a:t>
+            </a:r>
+            <a:r>
+              <a:rPr lang="pt-BR" sz="2400" b="1" dirty="0" smtClean="0"/>
+              <a:t>Ministério de Educação e do Desporto. Secretaria de Educação Fundamental. Referencial Curricular Nacional para Educação Infantil</a:t>
+            </a:r>
+            <a:r>
+              <a:rPr lang="pt-BR" sz="2400" dirty="0" smtClean="0"/>
+              <a:t>. V. I, II, III. Brasília: MEC/SEF, 1998.</a:t>
+            </a:r>
+          </a:p>
+          <a:p>
+            <a:pPr>
+              <a:lnSpc>
+                <a:spcPct val="150000"/>
+              </a:lnSpc>
+            </a:pPr>
+            <a:r>
+              <a:rPr lang="pt-BR" sz="2400" dirty="0" smtClean="0"/>
+              <a:t>BRASIL. </a:t>
+            </a:r>
+            <a:r>
+              <a:rPr lang="pt-BR" sz="2400" b="1" dirty="0" smtClean="0"/>
+              <a:t>Ministério da Educação. Secretaria de Educação Básica. Diretrizes Curriculares Nacional para a Educação Infantil/Secretaria de Educação Básica</a:t>
+            </a:r>
+            <a:r>
+              <a:rPr lang="pt-BR" sz="2400" dirty="0" smtClean="0"/>
+              <a:t>. -. Brasília: MEC, SEB, 2010.</a:t>
+            </a:r>
+          </a:p>
+          <a:p>
+            <a:pPr>
+              <a:lnSpc>
+                <a:spcPct val="150000"/>
+              </a:lnSpc>
+            </a:pPr>
+            <a:r>
+              <a:rPr lang="pt-BR" sz="2400" dirty="0" smtClean="0"/>
+              <a:t>CAMPOS, Maria Malta. ROSEMBERG, Fúlvia. FERREIRA, Isabel M. </a:t>
+            </a:r>
+            <a:r>
+              <a:rPr lang="pt-BR" sz="2400" b="1" dirty="0" smtClean="0"/>
+              <a:t>Creches e pré-escolas no Brasil</a:t>
+            </a:r>
+            <a:r>
+              <a:rPr lang="pt-BR" sz="2400" dirty="0" smtClean="0"/>
+              <a:t>. 2ª Ed. São Paulo: Cortez; Fundação Carlos Chagas, 1995.</a:t>
+            </a:r>
           </a:p>
         </p:txBody>
       </p:sp>
@@ -5402,11 +5269,7 @@
             </a:pPr>
             <a:r>
               <a:rPr lang="pt-BR" sz="2800" b="1" dirty="0" smtClean="0"/>
-              <a:t>    </a:t>
-            </a:r>
-            <a:r>
-              <a:rPr lang="pt-BR" sz="2800" b="1" dirty="0" smtClean="0"/>
-              <a:t>Como a Educação Infantil tem contribuído para o desenvolvimento da criança de zero a cinco anos dentro das instituições?</a:t>
+              <a:t>    Como a Educação Infantil tem contribuído para o desenvolvimento da criança de zero a cinco anos dentro das instituições?</a:t>
             </a:r>
           </a:p>
           <a:p>
@@ -5418,13 +5281,8 @@
             </a:pPr>
             <a:r>
               <a:rPr lang="pt-BR" sz="2800" b="1" dirty="0" smtClean="0"/>
-              <a:t> </a:t>
-            </a:r>
-            <a:r>
-              <a:rPr lang="pt-BR" sz="2800" b="1" dirty="0" smtClean="0"/>
-              <a:t>    Quais os entraves encontrados dentro dessas instituições para realização eficiente deste trabalho?</a:t>
-            </a:r>
-            <a:endParaRPr lang="pt-BR" sz="2800" b="1" dirty="0" smtClean="0"/>
+              <a:t>     Quais os entraves encontrados dentro dessas instituições para realização eficiente deste trabalho?</a:t>
+            </a:r>
           </a:p>
           <a:p>
             <a:endParaRPr lang="pt-BR" sz="2400" dirty="0" smtClean="0"/>
@@ -5465,6 +5323,672 @@
       </p:grpSpPr>
       <p:sp>
         <p:nvSpPr>
+          <p:cNvPr id="3" name="Espaço Reservado para Conteúdo 2"/>
+          <p:cNvSpPr>
+            <a:spLocks noGrp="1"/>
+          </p:cNvSpPr>
+          <p:nvPr>
+            <p:ph idx="1"/>
+          </p:nvPr>
+        </p:nvSpPr>
+        <p:spPr>
+          <a:xfrm>
+            <a:off x="457200" y="1600201"/>
+            <a:ext cx="8401080" cy="4525963"/>
+          </a:xfrm>
+        </p:spPr>
+        <p:txBody>
+          <a:bodyPr>
+            <a:normAutofit lnSpcReduction="10000"/>
+          </a:bodyPr>
+          <a:lstStyle/>
+          <a:p>
+            <a:pPr>
+              <a:lnSpc>
+                <a:spcPct val="150000"/>
+              </a:lnSpc>
+            </a:pPr>
+            <a:r>
+              <a:rPr lang="pt-BR" sz="2400" dirty="0" smtClean="0"/>
+              <a:t>CARVALHO, </a:t>
+            </a:r>
+            <a:r>
+              <a:rPr lang="pt-BR" sz="2400" dirty="0" err="1" smtClean="0"/>
+              <a:t>Alysson</a:t>
+            </a:r>
+            <a:r>
+              <a:rPr lang="pt-BR" sz="2400" dirty="0" smtClean="0"/>
+              <a:t>. SALLES, Fátima. GUIMARÃES, </a:t>
+            </a:r>
+            <a:r>
+              <a:rPr lang="pt-BR" sz="2400" dirty="0" err="1" smtClean="0"/>
+              <a:t>Marilia</a:t>
+            </a:r>
+            <a:r>
+              <a:rPr lang="pt-BR" sz="2400" dirty="0" smtClean="0"/>
+              <a:t> . </a:t>
+            </a:r>
+            <a:r>
+              <a:rPr lang="pt-BR" sz="2400" b="1" dirty="0" smtClean="0"/>
+              <a:t>Desenvolvimento e Aprendizagem. </a:t>
+            </a:r>
+            <a:r>
+              <a:rPr lang="pt-BR" sz="2400" dirty="0" smtClean="0"/>
+              <a:t>Belo Horizonte: Editora UFMG; </a:t>
+            </a:r>
+            <a:r>
+              <a:rPr lang="pt-BR" sz="2400" dirty="0" err="1" smtClean="0"/>
+              <a:t>Proex</a:t>
+            </a:r>
+            <a:r>
+              <a:rPr lang="pt-BR" sz="2400" dirty="0" smtClean="0"/>
+              <a:t>- UFMG, 2002.</a:t>
+            </a:r>
+          </a:p>
+          <a:p>
+            <a:pPr>
+              <a:lnSpc>
+                <a:spcPct val="150000"/>
+              </a:lnSpc>
+            </a:pPr>
+            <a:r>
+              <a:rPr lang="pt-BR" sz="2400" dirty="0" smtClean="0"/>
+              <a:t>COSTA, Márcia Rosa </a:t>
+            </a:r>
+            <a:r>
+              <a:rPr lang="pt-BR" sz="2400" dirty="0" err="1" smtClean="0"/>
+              <a:t>da.</a:t>
+            </a:r>
+            <a:r>
+              <a:rPr lang="pt-BR" sz="2400" dirty="0" smtClean="0"/>
+              <a:t> </a:t>
+            </a:r>
+            <a:r>
+              <a:rPr lang="pt-BR" sz="2400" b="1" dirty="0" smtClean="0"/>
+              <a:t>Eu também quero falar: um estudo sobre infância, violência e educação.</a:t>
+            </a:r>
+            <a:r>
+              <a:rPr lang="pt-BR" sz="2400" dirty="0" smtClean="0"/>
+              <a:t> In: </a:t>
+            </a:r>
+            <a:r>
+              <a:rPr lang="pt-BR" sz="2400" b="1" dirty="0" smtClean="0"/>
+              <a:t>INFÂNCIA – forma de conceber e tratar a infância</a:t>
+            </a:r>
+            <a:r>
+              <a:rPr lang="pt-BR" sz="2400" i="1" dirty="0" smtClean="0"/>
+              <a:t>. </a:t>
+            </a:r>
+            <a:r>
+              <a:rPr lang="pt-BR" sz="2400" dirty="0" smtClean="0"/>
+              <a:t>Porto Alegre, 2000. </a:t>
+            </a:r>
+          </a:p>
+          <a:p>
+            <a:pPr>
+              <a:lnSpc>
+                <a:spcPct val="150000"/>
+              </a:lnSpc>
+            </a:pPr>
+            <a:r>
+              <a:rPr lang="pt-BR" sz="2400" dirty="0" smtClean="0"/>
+              <a:t>CRAIDY</a:t>
+            </a:r>
+            <a:r>
+              <a:rPr lang="pt-BR" sz="2400" dirty="0" smtClean="0"/>
+              <a:t>, Maria. KAERCHER, </a:t>
+            </a:r>
+            <a:r>
+              <a:rPr lang="pt-BR" sz="2400" dirty="0" err="1" smtClean="0"/>
+              <a:t>Gládis</a:t>
+            </a:r>
+            <a:r>
+              <a:rPr lang="pt-BR" sz="2400" dirty="0" smtClean="0"/>
+              <a:t> </a:t>
+            </a:r>
+            <a:r>
+              <a:rPr lang="pt-BR" sz="2400" dirty="0" err="1" smtClean="0"/>
+              <a:t>Elise</a:t>
+            </a:r>
+            <a:r>
+              <a:rPr lang="pt-BR" sz="2400" dirty="0" smtClean="0"/>
+              <a:t> P. da Silva. </a:t>
+            </a:r>
+            <a:r>
+              <a:rPr lang="pt-BR" sz="2400" b="1" dirty="0" smtClean="0"/>
+              <a:t>Educação Infantil: Pra quê te quero?</a:t>
+            </a:r>
+            <a:r>
+              <a:rPr lang="pt-BR" sz="2400" dirty="0" smtClean="0"/>
+              <a:t> Porto Alegre: </a:t>
+            </a:r>
+            <a:r>
+              <a:rPr lang="pt-BR" sz="2400" dirty="0" err="1" smtClean="0"/>
+              <a:t>Artmed</a:t>
+            </a:r>
+            <a:r>
+              <a:rPr lang="pt-BR" sz="2400" dirty="0" smtClean="0"/>
+              <a:t>, 2001. 164 p. </a:t>
+            </a:r>
+          </a:p>
+        </p:txBody>
+      </p:sp>
+    </p:spTree>
+  </p:cSld>
+  <p:clrMapOvr>
+    <a:masterClrMapping/>
+  </p:clrMapOvr>
+  <p:timing>
+    <p:tnLst>
+      <p:par>
+        <p:cTn id="1" dur="indefinite" restart="never" nodeType="tmRoot"/>
+      </p:par>
+    </p:tnLst>
+  </p:timing>
+</p:sld>
+</file>
+
+<file path=ppt/slides/slide21.xml><?xml version="1.0" encoding="utf-8"?>
+<p:sld xmlns:a="http://schemas.openxmlformats.org/drawingml/2006/main" xmlns:r="http://schemas.openxmlformats.org/officeDocument/2006/relationships" xmlns:p="http://schemas.openxmlformats.org/presentationml/2006/main">
+  <p:cSld>
+    <p:spTree>
+      <p:nvGrpSpPr>
+        <p:cNvPr id="1" name=""/>
+        <p:cNvGrpSpPr/>
+        <p:nvPr/>
+      </p:nvGrpSpPr>
+      <p:grpSpPr>
+        <a:xfrm>
+          <a:off x="0" y="0"/>
+          <a:ext cx="0" cy="0"/>
+          <a:chOff x="0" y="0"/>
+          <a:chExt cx="0" cy="0"/>
+        </a:xfrm>
+      </p:grpSpPr>
+      <p:sp>
+        <p:nvSpPr>
+          <p:cNvPr id="3" name="Espaço Reservado para Conteúdo 2"/>
+          <p:cNvSpPr>
+            <a:spLocks noGrp="1"/>
+          </p:cNvSpPr>
+          <p:nvPr>
+            <p:ph idx="1"/>
+          </p:nvPr>
+        </p:nvSpPr>
+        <p:spPr/>
+        <p:txBody>
+          <a:bodyPr>
+            <a:noAutofit/>
+          </a:bodyPr>
+          <a:lstStyle/>
+          <a:p>
+            <a:pPr>
+              <a:lnSpc>
+                <a:spcPct val="160000"/>
+              </a:lnSpc>
+            </a:pPr>
+            <a:r>
+              <a:rPr lang="pt-BR" sz="2400" dirty="0" smtClean="0"/>
+              <a:t>FRANCO, Márcia E. </a:t>
+            </a:r>
+            <a:r>
+              <a:rPr lang="pt-BR" sz="2400" dirty="0" err="1" smtClean="0"/>
+              <a:t>Wilke</a:t>
+            </a:r>
+            <a:r>
+              <a:rPr lang="pt-BR" sz="2400" dirty="0" smtClean="0"/>
+              <a:t>. </a:t>
+            </a:r>
+            <a:r>
+              <a:rPr lang="pt-BR" sz="2400" b="1" dirty="0" smtClean="0"/>
+              <a:t>Compreendendo a Infância. </a:t>
+            </a:r>
+            <a:r>
+              <a:rPr lang="pt-BR" sz="2400" dirty="0" smtClean="0"/>
+              <a:t>Porto Alegre: Mediação, 2002, 80p.</a:t>
+            </a:r>
+          </a:p>
+          <a:p>
+            <a:pPr>
+              <a:lnSpc>
+                <a:spcPct val="160000"/>
+              </a:lnSpc>
+            </a:pPr>
+            <a:r>
+              <a:rPr lang="pt-BR" sz="2400" dirty="0" smtClean="0"/>
+              <a:t>HOFFMANN, Jussara Maria </a:t>
+            </a:r>
+            <a:r>
+              <a:rPr lang="pt-BR" sz="2400" dirty="0" err="1" smtClean="0"/>
+              <a:t>Lerch</a:t>
+            </a:r>
+            <a:r>
+              <a:rPr lang="pt-BR" sz="2400" dirty="0" smtClean="0"/>
+              <a:t>. </a:t>
+            </a:r>
+            <a:r>
+              <a:rPr lang="pt-BR" sz="2400" b="1" dirty="0" smtClean="0"/>
+              <a:t>Avaliação na pré-escola: um olhar sensível e </a:t>
+            </a:r>
+            <a:r>
+              <a:rPr lang="pt-BR" sz="2400" b="1" dirty="0" err="1" smtClean="0"/>
+              <a:t>relfexivo</a:t>
+            </a:r>
+            <a:r>
+              <a:rPr lang="pt-BR" sz="2400" b="1" dirty="0" smtClean="0"/>
+              <a:t> sobre a criança</a:t>
+            </a:r>
+            <a:r>
+              <a:rPr lang="pt-BR" sz="2400" dirty="0" smtClean="0"/>
+              <a:t>. Porto Alegre: Mediação, 1996.</a:t>
+            </a:r>
+          </a:p>
+          <a:p>
+            <a:pPr>
+              <a:lnSpc>
+                <a:spcPct val="160000"/>
+              </a:lnSpc>
+            </a:pPr>
+            <a:r>
+              <a:rPr lang="pt-BR" sz="2400" dirty="0" smtClean="0"/>
+              <a:t>KRAMER, Sonia (coord.). </a:t>
+            </a:r>
+            <a:r>
+              <a:rPr lang="pt-BR" sz="2400" b="1" dirty="0" smtClean="0"/>
+              <a:t>Com a pré-escola nas mãos. Uma alternativa curricular para a educação infantil</a:t>
+            </a:r>
+            <a:r>
+              <a:rPr lang="pt-BR" sz="2400" dirty="0" smtClean="0"/>
+              <a:t>. São Paulo: Ática, 1991.</a:t>
+            </a:r>
+          </a:p>
+        </p:txBody>
+      </p:sp>
+    </p:spTree>
+  </p:cSld>
+  <p:clrMapOvr>
+    <a:masterClrMapping/>
+  </p:clrMapOvr>
+  <p:timing>
+    <p:tnLst>
+      <p:par>
+        <p:cTn id="1" dur="indefinite" restart="never" nodeType="tmRoot"/>
+      </p:par>
+    </p:tnLst>
+  </p:timing>
+</p:sld>
+</file>
+
+<file path=ppt/slides/slide22.xml><?xml version="1.0" encoding="utf-8"?>
+<p:sld xmlns:a="http://schemas.openxmlformats.org/drawingml/2006/main" xmlns:r="http://schemas.openxmlformats.org/officeDocument/2006/relationships" xmlns:p="http://schemas.openxmlformats.org/presentationml/2006/main">
+  <p:cSld>
+    <p:spTree>
+      <p:nvGrpSpPr>
+        <p:cNvPr id="1" name=""/>
+        <p:cNvGrpSpPr/>
+        <p:nvPr/>
+      </p:nvGrpSpPr>
+      <p:grpSpPr>
+        <a:xfrm>
+          <a:off x="0" y="0"/>
+          <a:ext cx="0" cy="0"/>
+          <a:chOff x="0" y="0"/>
+          <a:chExt cx="0" cy="0"/>
+        </a:xfrm>
+      </p:grpSpPr>
+      <p:sp>
+        <p:nvSpPr>
+          <p:cNvPr id="3" name="Espaço Reservado para Conteúdo 2"/>
+          <p:cNvSpPr>
+            <a:spLocks noGrp="1"/>
+          </p:cNvSpPr>
+          <p:nvPr>
+            <p:ph idx="1"/>
+          </p:nvPr>
+        </p:nvSpPr>
+        <p:spPr/>
+        <p:txBody>
+          <a:bodyPr>
+            <a:normAutofit fontScale="85000" lnSpcReduction="10000"/>
+          </a:bodyPr>
+          <a:lstStyle/>
+          <a:p>
+            <a:pPr>
+              <a:lnSpc>
+                <a:spcPct val="150000"/>
+              </a:lnSpc>
+            </a:pPr>
+            <a:r>
+              <a:rPr lang="pt-BR" dirty="0" smtClean="0"/>
+              <a:t>KRAMER, Sônia. </a:t>
+            </a:r>
+            <a:r>
+              <a:rPr lang="pt-BR" b="1" dirty="0" smtClean="0"/>
+              <a:t>A política do pré-escolar no Brasil: a arte do disfarce</a:t>
+            </a:r>
+            <a:r>
+              <a:rPr lang="pt-BR" dirty="0" smtClean="0"/>
+              <a:t>. Rio de Janeiro: </a:t>
+            </a:r>
+            <a:r>
+              <a:rPr lang="pt-BR" dirty="0" err="1" smtClean="0"/>
+              <a:t>Achiamé</a:t>
+            </a:r>
+            <a:r>
+              <a:rPr lang="pt-BR" dirty="0" smtClean="0"/>
+              <a:t>, 1982. 130p.</a:t>
+            </a:r>
+          </a:p>
+          <a:p>
+            <a:pPr>
+              <a:lnSpc>
+                <a:spcPct val="150000"/>
+              </a:lnSpc>
+            </a:pPr>
+            <a:r>
+              <a:rPr lang="pt-BR" dirty="0" smtClean="0"/>
+              <a:t>MACHADO, Patrícia </a:t>
+            </a:r>
+            <a:r>
+              <a:rPr lang="pt-BR" dirty="0" err="1" smtClean="0"/>
+              <a:t>Brum</a:t>
+            </a:r>
+            <a:r>
+              <a:rPr lang="pt-BR" dirty="0" smtClean="0"/>
+              <a:t>. </a:t>
+            </a:r>
+            <a:r>
+              <a:rPr lang="pt-BR" b="1" dirty="0" smtClean="0"/>
+              <a:t>Comportamento Infantil: estabelecendo limites</a:t>
+            </a:r>
+            <a:r>
+              <a:rPr lang="pt-BR" dirty="0" smtClean="0"/>
+              <a:t>. Porto Alegre, 2002.</a:t>
+            </a:r>
+          </a:p>
+          <a:p>
+            <a:pPr>
+              <a:lnSpc>
+                <a:spcPct val="150000"/>
+              </a:lnSpc>
+            </a:pPr>
+            <a:r>
+              <a:rPr lang="pt-BR" dirty="0" smtClean="0"/>
+              <a:t>MARCÍLIO, Maria Luiza. </a:t>
+            </a:r>
+            <a:r>
+              <a:rPr lang="pt-BR" b="1" dirty="0" smtClean="0"/>
+              <a:t>Revista USP</a:t>
+            </a:r>
+            <a:r>
+              <a:rPr lang="pt-BR" dirty="0" smtClean="0"/>
+              <a:t>. São Paulo. Março/Maio, 1998.</a:t>
+            </a:r>
+          </a:p>
+          <a:p>
+            <a:endParaRPr lang="pt-BR" dirty="0"/>
+          </a:p>
+        </p:txBody>
+      </p:sp>
+    </p:spTree>
+  </p:cSld>
+  <p:clrMapOvr>
+    <a:masterClrMapping/>
+  </p:clrMapOvr>
+</p:sld>
+</file>
+
+<file path=ppt/slides/slide23.xml><?xml version="1.0" encoding="utf-8"?>
+<p:sld xmlns:a="http://schemas.openxmlformats.org/drawingml/2006/main" xmlns:r="http://schemas.openxmlformats.org/officeDocument/2006/relationships" xmlns:p="http://schemas.openxmlformats.org/presentationml/2006/main">
+  <p:cSld>
+    <p:spTree>
+      <p:nvGrpSpPr>
+        <p:cNvPr id="1" name=""/>
+        <p:cNvGrpSpPr/>
+        <p:nvPr/>
+      </p:nvGrpSpPr>
+      <p:grpSpPr>
+        <a:xfrm>
+          <a:off x="0" y="0"/>
+          <a:ext cx="0" cy="0"/>
+          <a:chOff x="0" y="0"/>
+          <a:chExt cx="0" cy="0"/>
+        </a:xfrm>
+      </p:grpSpPr>
+      <p:sp>
+        <p:nvSpPr>
+          <p:cNvPr id="3" name="Espaço Reservado para Conteúdo 2"/>
+          <p:cNvSpPr>
+            <a:spLocks noGrp="1"/>
+          </p:cNvSpPr>
+          <p:nvPr>
+            <p:ph idx="1"/>
+          </p:nvPr>
+        </p:nvSpPr>
+        <p:spPr/>
+        <p:txBody>
+          <a:bodyPr>
+            <a:normAutofit fontScale="62500" lnSpcReduction="20000"/>
+          </a:bodyPr>
+          <a:lstStyle/>
+          <a:p>
+            <a:pPr>
+              <a:lnSpc>
+                <a:spcPct val="170000"/>
+              </a:lnSpc>
+            </a:pPr>
+            <a:r>
+              <a:rPr lang="pt-BR" dirty="0" smtClean="0"/>
+              <a:t>RAMOS, Janaína Silmara Silva. </a:t>
+            </a:r>
+            <a:r>
+              <a:rPr lang="pt-BR" b="1" dirty="0" smtClean="0"/>
+              <a:t>Artigo para a XVIII Semana de Humanidades: Rotina na Educação Infantil: Saberes Docentes</a:t>
+            </a:r>
+            <a:r>
+              <a:rPr lang="pt-BR" dirty="0" smtClean="0"/>
+              <a:t>. Natal: UFRN, 2010. </a:t>
+            </a:r>
+          </a:p>
+          <a:p>
+            <a:pPr>
+              <a:lnSpc>
+                <a:spcPct val="170000"/>
+              </a:lnSpc>
+            </a:pPr>
+            <a:r>
+              <a:rPr lang="pt-BR" dirty="0" smtClean="0"/>
+              <a:t>REDIN, Euclides. </a:t>
+            </a:r>
+            <a:r>
+              <a:rPr lang="pt-BR" b="1" dirty="0" smtClean="0"/>
+              <a:t>Educação Infantil: construção da cidadania e prática pedagógica.</a:t>
+            </a:r>
+            <a:r>
+              <a:rPr lang="pt-BR" dirty="0" smtClean="0"/>
+              <a:t> In: Paixão de aprender, n. 7. Porto Alegre, Jun. 1994, p.48-53.</a:t>
+            </a:r>
+          </a:p>
+          <a:p>
+            <a:pPr>
+              <a:lnSpc>
+                <a:spcPct val="170000"/>
+              </a:lnSpc>
+            </a:pPr>
+            <a:r>
+              <a:rPr lang="pt-BR" dirty="0" smtClean="0"/>
+              <a:t>ROCHA, Rita de Cássia </a:t>
+            </a:r>
+            <a:r>
+              <a:rPr lang="pt-BR" dirty="0" err="1" smtClean="0"/>
+              <a:t>Luíz</a:t>
+            </a:r>
+            <a:r>
+              <a:rPr lang="pt-BR" dirty="0" smtClean="0"/>
+              <a:t> </a:t>
+            </a:r>
+            <a:r>
+              <a:rPr lang="pt-BR" dirty="0" err="1" smtClean="0"/>
+              <a:t>da.</a:t>
+            </a:r>
+            <a:r>
+              <a:rPr lang="pt-BR" dirty="0" smtClean="0"/>
+              <a:t> </a:t>
+            </a:r>
+            <a:r>
+              <a:rPr lang="pt-BR" b="1" dirty="0" smtClean="0"/>
+              <a:t>História da infância: Reflexões acerca de algumas concepções correntes</a:t>
+            </a:r>
+            <a:r>
+              <a:rPr lang="pt-BR" i="1" dirty="0" smtClean="0"/>
+              <a:t>. </a:t>
+            </a:r>
+            <a:r>
+              <a:rPr lang="pt-BR" dirty="0" smtClean="0"/>
+              <a:t>Guarapuava, 2002.</a:t>
+            </a:r>
+          </a:p>
+          <a:p>
+            <a:pPr>
+              <a:lnSpc>
+                <a:spcPct val="170000"/>
+              </a:lnSpc>
+            </a:pPr>
+            <a:r>
+              <a:rPr lang="pt-BR" dirty="0" smtClean="0"/>
+              <a:t>SALLES, Fátima e FARIA, Vitória. </a:t>
+            </a:r>
+            <a:r>
+              <a:rPr lang="pt-BR" b="1" dirty="0" smtClean="0"/>
+              <a:t>Currículo na Educação Infantil: diálogo com os demais elementos da proposta pedagógica</a:t>
+            </a:r>
+            <a:r>
+              <a:rPr lang="pt-BR" dirty="0" smtClean="0"/>
+              <a:t>. Editora Ática; 2012. </a:t>
+            </a:r>
+          </a:p>
+          <a:p>
+            <a:endParaRPr lang="pt-BR" dirty="0"/>
+          </a:p>
+        </p:txBody>
+      </p:sp>
+    </p:spTree>
+  </p:cSld>
+  <p:clrMapOvr>
+    <a:masterClrMapping/>
+  </p:clrMapOvr>
+</p:sld>
+</file>
+
+<file path=ppt/slides/slide24.xml><?xml version="1.0" encoding="utf-8"?>
+<p:sld xmlns:a="http://schemas.openxmlformats.org/drawingml/2006/main" xmlns:r="http://schemas.openxmlformats.org/officeDocument/2006/relationships" xmlns:p="http://schemas.openxmlformats.org/presentationml/2006/main">
+  <p:cSld>
+    <p:spTree>
+      <p:nvGrpSpPr>
+        <p:cNvPr id="1" name=""/>
+        <p:cNvGrpSpPr/>
+        <p:nvPr/>
+      </p:nvGrpSpPr>
+      <p:grpSpPr>
+        <a:xfrm>
+          <a:off x="0" y="0"/>
+          <a:ext cx="0" cy="0"/>
+          <a:chOff x="0" y="0"/>
+          <a:chExt cx="0" cy="0"/>
+        </a:xfrm>
+      </p:grpSpPr>
+      <p:sp>
+        <p:nvSpPr>
+          <p:cNvPr id="3" name="Espaço Reservado para Conteúdo 2"/>
+          <p:cNvSpPr>
+            <a:spLocks noGrp="1"/>
+          </p:cNvSpPr>
+          <p:nvPr>
+            <p:ph idx="1"/>
+          </p:nvPr>
+        </p:nvSpPr>
+        <p:spPr>
+          <a:xfrm>
+            <a:off x="457201" y="1285861"/>
+            <a:ext cx="8229600" cy="4840304"/>
+          </a:xfrm>
+        </p:spPr>
+        <p:txBody>
+          <a:bodyPr>
+            <a:normAutofit fontScale="92500"/>
+          </a:bodyPr>
+          <a:lstStyle/>
+          <a:p>
+            <a:pPr algn="ctr">
+              <a:buNone/>
+            </a:pPr>
+            <a:r>
+              <a:rPr lang="pt-BR" sz="3600" b="1" i="1" dirty="0" smtClean="0">
+                <a:latin typeface="Aparajita" pitchFamily="34" charset="0"/>
+                <a:cs typeface="Aparajita" pitchFamily="34" charset="0"/>
+              </a:rPr>
+              <a:t>    “</a:t>
+            </a:r>
+            <a:r>
+              <a:rPr lang="pt-BR" sz="4000" b="1" i="1" dirty="0" smtClean="0">
+                <a:latin typeface="Aparajita" pitchFamily="34" charset="0"/>
+                <a:cs typeface="Aparajita" pitchFamily="34" charset="0"/>
+              </a:rPr>
+              <a:t>a escola não modifica a sociedade, mas pode contribuir para a mudança se desempenhar o seu papel de ensinar criticamente, fornecendo os instrumentos básicos para o exercício da cidadania”</a:t>
+            </a:r>
+          </a:p>
+          <a:p>
+            <a:pPr algn="r">
+              <a:buNone/>
+            </a:pPr>
+            <a:r>
+              <a:rPr lang="pt-BR" sz="4000" b="1" i="1" dirty="0" smtClean="0">
+                <a:latin typeface="Aparajita" pitchFamily="34" charset="0"/>
+                <a:cs typeface="Aparajita" pitchFamily="34" charset="0"/>
+              </a:rPr>
+              <a:t>Sônia Kramer</a:t>
+            </a:r>
+            <a:endParaRPr lang="pt-BR" sz="4000" b="1" i="1" dirty="0">
+              <a:latin typeface="Aparajita" pitchFamily="34" charset="0"/>
+              <a:cs typeface="Aparajita" pitchFamily="34" charset="0"/>
+            </a:endParaRPr>
+          </a:p>
+        </p:txBody>
+      </p:sp>
+    </p:spTree>
+  </p:cSld>
+  <p:clrMapOvr>
+    <a:masterClrMapping/>
+  </p:clrMapOvr>
+  <p:timing>
+    <p:tnLst>
+      <p:par>
+        <p:cTn id="1" dur="indefinite" restart="never" nodeType="tmRoot"/>
+      </p:par>
+    </p:tnLst>
+  </p:timing>
+</p:sld>
+</file>
+
+<file path=ppt/slides/slide25.xml><?xml version="1.0" encoding="utf-8"?>
+<p:sld xmlns:a="http://schemas.openxmlformats.org/drawingml/2006/main" xmlns:r="http://schemas.openxmlformats.org/officeDocument/2006/relationships" xmlns:p="http://schemas.openxmlformats.org/presentationml/2006/main">
+  <p:cSld>
+    <p:spTree>
+      <p:nvGrpSpPr>
+        <p:cNvPr id="1" name=""/>
+        <p:cNvGrpSpPr/>
+        <p:nvPr/>
+      </p:nvGrpSpPr>
+      <p:grpSpPr>
+        <a:xfrm>
+          <a:off x="0" y="0"/>
+          <a:ext cx="0" cy="0"/>
+          <a:chOff x="0" y="0"/>
+          <a:chExt cx="0" cy="0"/>
+        </a:xfrm>
+      </p:grpSpPr>
+      <p:sp>
+        <p:nvSpPr>
           <p:cNvPr id="2" name="Título 1"/>
           <p:cNvSpPr>
             <a:spLocks noGrp="1"/>
@@ -5532,13 +6056,8 @@
             </a:pPr>
             <a:r>
               <a:rPr lang="pt-BR" sz="2800" b="1" i="1" dirty="0" smtClean="0"/>
-              <a:t>E-mail para contato: </a:t>
-            </a:r>
-            <a:r>
-              <a:rPr lang="pt-BR" sz="2800" b="1" i="1" dirty="0" smtClean="0"/>
-              <a:t>narjara.pimenta@yahoo.com.br</a:t>
-            </a:r>
-            <a:endParaRPr lang="pt-BR" sz="2800" b="1" i="1" dirty="0" smtClean="0"/>
+              <a:t>E-mail para contato: narjara.pimenta@yahoo.com.br</a:t>
+            </a:r>
           </a:p>
         </p:txBody>
       </p:sp>
@@ -5574,92 +6093,53 @@
           <a:chExt cx="0" cy="0"/>
         </a:xfrm>
       </p:grpSpPr>
-      <p:sp>
-        <p:nvSpPr>
-          <p:cNvPr id="2" name="Título 1"/>
-          <p:cNvSpPr>
-            <a:spLocks noGrp="1"/>
-          </p:cNvSpPr>
-          <p:nvPr>
-            <p:ph type="title"/>
-          </p:nvPr>
-        </p:nvSpPr>
-        <p:spPr/>
-        <p:txBody>
-          <a:bodyPr/>
-          <a:lstStyle/>
-          <a:p>
-            <a:r>
-              <a:rPr lang="pt-BR" b="1" dirty="0" smtClean="0"/>
-              <a:t>HIPÓTESES</a:t>
-            </a:r>
-            <a:endParaRPr lang="pt-BR" b="1" dirty="0"/>
-          </a:p>
-        </p:txBody>
-      </p:sp>
-      <p:sp>
-        <p:nvSpPr>
-          <p:cNvPr id="3" name="Espaço Reservado para Conteúdo 2"/>
-          <p:cNvSpPr>
-            <a:spLocks noGrp="1"/>
-          </p:cNvSpPr>
-          <p:nvPr>
-            <p:ph idx="1"/>
-          </p:nvPr>
-        </p:nvSpPr>
-        <p:spPr/>
-        <p:txBody>
-          <a:bodyPr>
-            <a:normAutofit fontScale="62500" lnSpcReduction="20000"/>
-          </a:bodyPr>
-          <a:lstStyle/>
-          <a:p>
-            <a:pPr algn="just">
-              <a:lnSpc>
-                <a:spcPct val="170000"/>
-              </a:lnSpc>
-              <a:buFont typeface="Wingdings" pitchFamily="2" charset="2"/>
-              <a:buChar char="ü"/>
-            </a:pPr>
-            <a:r>
-              <a:rPr lang="pt-BR" b="1" dirty="0" smtClean="0"/>
-              <a:t>Acredita-se que esta profissão oferece possibilidades de contribuir para o desenvolvimento da criança em vários aspectos, além de obter satisfação pessoal ao contribuir para esta evolução.</a:t>
-            </a:r>
-          </a:p>
-          <a:p>
-            <a:pPr algn="just">
-              <a:lnSpc>
-                <a:spcPct val="170000"/>
-              </a:lnSpc>
-              <a:buFont typeface="Wingdings" pitchFamily="2" charset="2"/>
-              <a:buChar char="ü"/>
-            </a:pPr>
-            <a:r>
-              <a:rPr lang="pt-BR" b="1" dirty="0" smtClean="0"/>
-              <a:t>O professor é um mediador fundamental na vida da criança e, através de práticas pedagógicas significativas, favorece o desenvolvimento integral da criança de forma eficaz e eficiente.</a:t>
-            </a:r>
-          </a:p>
-          <a:p>
-            <a:pPr algn="just">
-              <a:lnSpc>
-                <a:spcPct val="170000"/>
-              </a:lnSpc>
-              <a:buFont typeface="Wingdings" pitchFamily="2" charset="2"/>
-              <a:buChar char="ü"/>
-            </a:pPr>
-            <a:r>
-              <a:rPr lang="pt-BR" b="1" dirty="0" smtClean="0"/>
-              <a:t>A Educação Infantil é importante, pois, contribui para a evolução da criança enquanto ser social, assim, estar fora dela, seria como perder uma oportunidade de conhecimento e aprendizagem.</a:t>
-            </a:r>
-            <a:endParaRPr lang="pt-BR" b="1" dirty="0"/>
-          </a:p>
-        </p:txBody>
-      </p:sp>
+      <p:pic>
+        <p:nvPicPr>
+          <p:cNvPr id="5" name="Imagem 4"/>
+          <p:cNvPicPr>
+            <a:picLocks noChangeAspect="1"/>
+          </p:cNvPicPr>
+          <p:nvPr/>
+        </p:nvPicPr>
+        <p:blipFill>
+          <a:blip r:embed="rId2">
+            <a:extLst>
+              <a:ext uri="{28A0092B-C50C-407E-A947-70E740481C1C}">
+                <a14:useLocalDpi xmlns:a14="http://schemas.microsoft.com/office/drawing/2010/main" val="0"/>
+              </a:ext>
+            </a:extLst>
+          </a:blip>
+          <a:stretch>
+            <a:fillRect/>
+          </a:stretch>
+        </p:blipFill>
+        <p:spPr>
+          <a:xfrm>
+            <a:off x="683568" y="548679"/>
+            <a:ext cx="7776864" cy="6063523"/>
+          </a:xfrm>
+          <a:prstGeom prst="rect">
+            <a:avLst/>
+          </a:prstGeom>
+        </p:spPr>
+      </p:pic>
     </p:spTree>
+    <p:extLst>
+      <p:ext uri="{BB962C8B-B14F-4D97-AF65-F5344CB8AC3E}">
+        <p14:creationId xmlns:p14="http://schemas.microsoft.com/office/powerpoint/2010/main" val="3761694498"/>
+      </p:ext>
+    </p:extLst>
   </p:cSld>
   <p:clrMapOvr>
     <a:masterClrMapping/>
   </p:clrMapOvr>
+  <p:timing>
+    <p:tnLst>
+      <p:par>
+        <p:cTn id="1" dur="indefinite" restart="never" nodeType="tmRoot"/>
+      </p:par>
+    </p:tnLst>
+  </p:timing>
 </p:sld>
 </file>
 
@@ -5697,7 +6177,7 @@
           <a:p>
             <a:r>
               <a:rPr lang="pt-BR" b="1" dirty="0" smtClean="0"/>
-              <a:t>JUSTIFICATIVA</a:t>
+              <a:t>HIPÓTESES</a:t>
             </a:r>
             <a:endParaRPr lang="pt-BR" b="1" dirty="0"/>
           </a:p>
@@ -5716,69 +6196,48 @@
         <p:spPr/>
         <p:txBody>
           <a:bodyPr>
-            <a:normAutofit fontScale="92500"/>
+            <a:normAutofit fontScale="62500" lnSpcReduction="20000"/>
           </a:bodyPr>
           <a:lstStyle/>
           <a:p>
             <a:pPr algn="just">
               <a:lnSpc>
-                <a:spcPct val="150000"/>
+                <a:spcPct val="170000"/>
               </a:lnSpc>
               <a:buFont typeface="Wingdings" pitchFamily="2" charset="2"/>
               <a:buChar char="ü"/>
             </a:pPr>
             <a:r>
-              <a:rPr lang="pt-BR" sz="2400" b="1" dirty="0" smtClean="0"/>
-              <a:t>Esta temática remete à muitas indagações e discussões acerca da importância e intencionalidade da Educação Infantil.</a:t>
-            </a:r>
-            <a:endParaRPr lang="pt-BR" sz="2400" b="1" dirty="0" smtClean="0"/>
+              <a:rPr lang="pt-BR" b="1" dirty="0" smtClean="0"/>
+              <a:t>Acredita-se que esta profissão oferece possibilidades de contribuir para o desenvolvimento da criança em vários aspectos, além de obter satisfação pessoal ao contribuir para esta evolução.</a:t>
+            </a:r>
           </a:p>
           <a:p>
             <a:pPr algn="just">
               <a:lnSpc>
-                <a:spcPct val="150000"/>
+                <a:spcPct val="170000"/>
               </a:lnSpc>
               <a:buFont typeface="Wingdings" pitchFamily="2" charset="2"/>
               <a:buChar char="ü"/>
             </a:pPr>
             <a:r>
-              <a:rPr lang="pt-BR" sz="2400" b="1" dirty="0" smtClean="0"/>
-              <a:t>Pretendeu-se analisar o olhar do professor sobre a contribuição da Educação Infantil para a vida escolar da criança de zero a cinco anos.</a:t>
-            </a:r>
-            <a:endParaRPr lang="pt-BR" sz="2400" b="1" dirty="0" smtClean="0"/>
+              <a:rPr lang="pt-BR" b="1" dirty="0" smtClean="0"/>
+              <a:t>O professor é um mediador fundamental na vida da criança e, através de práticas pedagógicas significativas, favorece o desenvolvimento integral da criança de forma eficaz e eficiente.</a:t>
+            </a:r>
           </a:p>
           <a:p>
             <a:pPr algn="just">
               <a:lnSpc>
-                <a:spcPct val="150000"/>
+                <a:spcPct val="170000"/>
               </a:lnSpc>
               <a:buFont typeface="Wingdings" pitchFamily="2" charset="2"/>
               <a:buChar char="ü"/>
             </a:pPr>
             <a:r>
-              <a:rPr lang="pt-BR" sz="2400" b="1" dirty="0" smtClean="0"/>
-              <a:t>É através da Educação Infantil, primeira etapa da Educação Básica, que a criança tem possibilidade de conhecer e explorar suas características e habilidades.</a:t>
-            </a:r>
-            <a:endParaRPr lang="pt-BR" sz="2400" b="1" dirty="0" smtClean="0"/>
-          </a:p>
-          <a:p>
-            <a:pPr>
-              <a:buNone/>
-            </a:pPr>
-            <a:endParaRPr lang="pt-BR" dirty="0" smtClean="0"/>
-          </a:p>
-          <a:p>
-            <a:pPr>
-              <a:buNone/>
-            </a:pPr>
-            <a:endParaRPr lang="pt-BR" dirty="0" smtClean="0"/>
-          </a:p>
-          <a:p>
-            <a:pPr>
-              <a:buFont typeface="Wingdings" pitchFamily="2" charset="2"/>
-              <a:buChar char="ü"/>
-            </a:pPr>
-            <a:endParaRPr lang="pt-BR" dirty="0" smtClean="0"/>
+              <a:rPr lang="pt-BR" b="1" dirty="0" smtClean="0"/>
+              <a:t>A Educação Infantil é importante, pois, contribui para a evolução da criança enquanto ser social, assim, estar fora dela, seria como perder uma oportunidade de conhecimento e aprendizagem.</a:t>
+            </a:r>
+            <a:endParaRPr lang="pt-BR" b="1" dirty="0"/>
           </a:p>
         </p:txBody>
       </p:sp>
@@ -5814,85 +6273,41 @@
           <a:chExt cx="0" cy="0"/>
         </a:xfrm>
       </p:grpSpPr>
-      <p:sp>
-        <p:nvSpPr>
-          <p:cNvPr id="2" name="Título 1"/>
-          <p:cNvSpPr>
-            <a:spLocks noGrp="1"/>
-          </p:cNvSpPr>
-          <p:nvPr>
-            <p:ph type="title"/>
-          </p:nvPr>
-        </p:nvSpPr>
-        <p:spPr/>
-        <p:txBody>
-          <a:bodyPr/>
-          <a:lstStyle/>
-          <a:p>
-            <a:r>
-              <a:rPr lang="pt-BR" b="1" dirty="0" smtClean="0"/>
-              <a:t>OBJETIVOS</a:t>
-            </a:r>
-            <a:endParaRPr lang="pt-BR" b="1" dirty="0"/>
-          </a:p>
-        </p:txBody>
-      </p:sp>
-      <p:sp>
-        <p:nvSpPr>
-          <p:cNvPr id="3" name="Espaço Reservado para Conteúdo 2"/>
-          <p:cNvSpPr>
-            <a:spLocks noGrp="1"/>
-          </p:cNvSpPr>
+      <p:pic>
+        <p:nvPicPr>
+          <p:cNvPr id="4" name="Espaço Reservado para Conteúdo 3"/>
+          <p:cNvPicPr>
+            <a:picLocks noGrp="1" noChangeAspect="1"/>
+          </p:cNvPicPr>
           <p:nvPr>
             <p:ph idx="1"/>
           </p:nvPr>
-        </p:nvSpPr>
+        </p:nvPicPr>
+        <p:blipFill>
+          <a:blip r:embed="rId2">
+            <a:extLst>
+              <a:ext uri="{28A0092B-C50C-407E-A947-70E740481C1C}">
+                <a14:useLocalDpi xmlns:a14="http://schemas.microsoft.com/office/drawing/2010/main" val="0"/>
+              </a:ext>
+            </a:extLst>
+          </a:blip>
+          <a:stretch>
+            <a:fillRect/>
+          </a:stretch>
+        </p:blipFill>
         <p:spPr>
           <a:xfrm>
-            <a:off x="285720" y="1600201"/>
-            <a:ext cx="8401080" cy="4525963"/>
+            <a:off x="971600" y="1124744"/>
+            <a:ext cx="7082278" cy="4738688"/>
           </a:xfrm>
         </p:spPr>
-        <p:txBody>
-          <a:bodyPr>
-            <a:normAutofit/>
-          </a:bodyPr>
-          <a:lstStyle/>
-          <a:p>
-            <a:pPr algn="ctr">
-              <a:buNone/>
-            </a:pPr>
-            <a:r>
-              <a:rPr lang="pt-BR" b="1" dirty="0" smtClean="0"/>
-              <a:t> Objetivo Geral</a:t>
-            </a:r>
-          </a:p>
-          <a:p>
-            <a:pPr algn="ctr">
-              <a:buNone/>
-            </a:pPr>
-            <a:endParaRPr lang="pt-BR" b="1" dirty="0" smtClean="0"/>
-          </a:p>
-          <a:p>
-            <a:pPr algn="just">
-              <a:lnSpc>
-                <a:spcPct val="150000"/>
-              </a:lnSpc>
-              <a:buNone/>
-            </a:pPr>
-            <a:r>
-              <a:rPr lang="pt-BR" sz="2800" b="1" dirty="0" smtClean="0"/>
-              <a:t>    </a:t>
-            </a:r>
-            <a:r>
-              <a:rPr lang="pt-BR" sz="2800" b="1" dirty="0" smtClean="0"/>
-              <a:t>Refletir sobre o significado da Educação Infantil para o desenvolvimento da criança de zero a cinco anos na visão do professor.</a:t>
-            </a:r>
-            <a:endParaRPr lang="pt-BR" sz="2800" b="1" dirty="0" smtClean="0"/>
-          </a:p>
-        </p:txBody>
-      </p:sp>
+      </p:pic>
     </p:spTree>
+    <p:extLst>
+      <p:ext uri="{BB962C8B-B14F-4D97-AF65-F5344CB8AC3E}">
+        <p14:creationId xmlns:p14="http://schemas.microsoft.com/office/powerpoint/2010/main" val="599084574"/>
+      </p:ext>
+    </p:extLst>
   </p:cSld>
   <p:clrMapOvr>
     <a:masterClrMapping/>
@@ -5936,93 +6351,90 @@
         </p:nvSpPr>
         <p:spPr/>
         <p:txBody>
+          <a:bodyPr/>
+          <a:lstStyle/>
+          <a:p>
+            <a:r>
+              <a:rPr lang="pt-BR" b="1" dirty="0" smtClean="0"/>
+              <a:t>JUSTIFICATIVA</a:t>
+            </a:r>
+            <a:endParaRPr lang="pt-BR" b="1" dirty="0"/>
+          </a:p>
+        </p:txBody>
+      </p:sp>
+      <p:sp>
+        <p:nvSpPr>
+          <p:cNvPr id="3" name="Espaço Reservado para Conteúdo 2"/>
+          <p:cNvSpPr>
+            <a:spLocks noGrp="1"/>
+          </p:cNvSpPr>
+          <p:nvPr>
+            <p:ph idx="1"/>
+          </p:nvPr>
+        </p:nvSpPr>
+        <p:spPr/>
+        <p:txBody>
           <a:bodyPr>
-            <a:normAutofit fontScale="90000"/>
+            <a:normAutofit fontScale="92500"/>
           </a:bodyPr>
           <a:lstStyle/>
           <a:p>
-            <a:r>
-              <a:rPr lang="pt-BR" b="1" dirty="0" smtClean="0"/>
-              <a:t/>
-            </a:r>
-            <a:br>
-              <a:rPr lang="pt-BR" b="1" dirty="0" smtClean="0"/>
-            </a:br>
-            <a:r>
-              <a:rPr lang="pt-BR" sz="3600" b="1" dirty="0" smtClean="0"/>
-              <a:t>Objetivos Específicos</a:t>
-            </a:r>
-            <a:r>
-              <a:rPr lang="pt-BR" b="1" dirty="0" smtClean="0"/>
-              <a:t/>
-            </a:r>
-            <a:br>
-              <a:rPr lang="pt-BR" b="1" dirty="0" smtClean="0"/>
-            </a:br>
-            <a:endParaRPr lang="pt-BR" dirty="0"/>
-          </a:p>
-        </p:txBody>
-      </p:sp>
-      <p:sp>
-        <p:nvSpPr>
-          <p:cNvPr id="3" name="Espaço Reservado para Conteúdo 2"/>
-          <p:cNvSpPr>
-            <a:spLocks noGrp="1"/>
-          </p:cNvSpPr>
-          <p:nvPr>
-            <p:ph idx="1"/>
-          </p:nvPr>
-        </p:nvSpPr>
-        <p:spPr/>
-        <p:txBody>
-          <a:bodyPr>
-            <a:noAutofit/>
-          </a:bodyPr>
-          <a:lstStyle/>
-          <a:p>
-            <a:pPr marL="514305" indent="-514305" algn="just">
+            <a:pPr algn="just">
+              <a:lnSpc>
+                <a:spcPct val="150000"/>
+              </a:lnSpc>
               <a:buFont typeface="Wingdings" pitchFamily="2" charset="2"/>
               <a:buChar char="ü"/>
             </a:pPr>
             <a:r>
-              <a:rPr lang="pt-BR" sz="2600" b="1" dirty="0" smtClean="0"/>
-              <a:t>Destacar o objetivo inicial do professor ao escolher tal profissão.</a:t>
-            </a:r>
-            <a:endParaRPr lang="pt-BR" sz="2600" b="1" dirty="0" smtClean="0"/>
-          </a:p>
-          <a:p>
-            <a:pPr marL="514305" indent="-514305" algn="just">
-              <a:buNone/>
-            </a:pPr>
-            <a:endParaRPr lang="pt-BR" sz="2600" b="1" dirty="0" smtClean="0"/>
-          </a:p>
-          <a:p>
-            <a:pPr marL="514305" indent="-514305" algn="just">
+              <a:rPr lang="pt-BR" sz="2400" b="1" dirty="0" smtClean="0"/>
+              <a:t>Esta temática remete à muitas indagações e discussões acerca da importância e intencionalidade da Educação Infantil.</a:t>
+            </a:r>
+          </a:p>
+          <a:p>
+            <a:pPr algn="just">
+              <a:lnSpc>
+                <a:spcPct val="150000"/>
+              </a:lnSpc>
               <a:buFont typeface="Wingdings" pitchFamily="2" charset="2"/>
               <a:buChar char="ü"/>
             </a:pPr>
             <a:r>
-              <a:rPr lang="pt-BR" sz="2600" b="1" dirty="0" smtClean="0"/>
-              <a:t>Reconhecer o significado e importância do professor de Educação Infantil.</a:t>
-            </a:r>
-            <a:endParaRPr lang="pt-BR" sz="2600" b="1" dirty="0" smtClean="0"/>
-          </a:p>
-          <a:p>
-            <a:pPr marL="514305" indent="-514305" algn="just">
-              <a:buNone/>
-            </a:pPr>
-            <a:endParaRPr lang="pt-BR" sz="2600" b="1" dirty="0" smtClean="0"/>
+              <a:rPr lang="pt-BR" sz="2400" b="1" dirty="0" smtClean="0"/>
+              <a:t>Pretendeu-se analisar o olhar do professor sobre a contribuição da Educação Infantil para a vida escolar da criança de zero a cinco anos.</a:t>
+            </a:r>
           </a:p>
           <a:p>
             <a:pPr algn="just">
+              <a:lnSpc>
+                <a:spcPct val="150000"/>
+              </a:lnSpc>
               <a:buFont typeface="Wingdings" pitchFamily="2" charset="2"/>
               <a:buChar char="ü"/>
             </a:pPr>
             <a:r>
-              <a:rPr lang="pt-BR" sz="2600" b="1" dirty="0" smtClean="0"/>
-              <a:t>Ressaltar o significado da Educação Infantil para o desenvolvimento da criança na visão do professor.</a:t>
-            </a:r>
-            <a:endParaRPr lang="pt-BR" sz="2600" b="1" dirty="0"/>
+              <a:rPr lang="pt-BR" sz="2400" b="1" dirty="0" smtClean="0"/>
+              <a:t>É através da Educação Infantil, primeira etapa da Educação Básica, que a criança tem possibilidade de conhecer e explorar suas características e habilidades.</a:t>
+            </a:r>
+          </a:p>
+          <a:p>
+            <a:pPr>
+              <a:buNone/>
+            </a:pPr>
+            <a:endParaRPr lang="pt-BR" dirty="0" smtClean="0"/>
+          </a:p>
+          <a:p>
+            <a:pPr>
+              <a:buNone/>
+            </a:pPr>
+            <a:endParaRPr lang="pt-BR" dirty="0" smtClean="0"/>
+          </a:p>
+          <a:p>
+            <a:pPr>
+              <a:buFont typeface="Wingdings" pitchFamily="2" charset="2"/>
+              <a:buChar char="ü"/>
+            </a:pPr>
+            <a:endParaRPr lang="pt-BR" dirty="0" smtClean="0"/>
           </a:p>
         </p:txBody>
       </p:sp>
@@ -6058,101 +6470,41 @@
           <a:chExt cx="0" cy="0"/>
         </a:xfrm>
       </p:grpSpPr>
-      <p:sp>
-        <p:nvSpPr>
-          <p:cNvPr id="2" name="Título 1"/>
-          <p:cNvSpPr>
-            <a:spLocks noGrp="1"/>
-          </p:cNvSpPr>
-          <p:nvPr>
-            <p:ph type="title"/>
-          </p:nvPr>
-        </p:nvSpPr>
-        <p:spPr/>
-        <p:txBody>
-          <a:bodyPr/>
-          <a:lstStyle/>
-          <a:p>
-            <a:r>
-              <a:rPr lang="pt-BR" b="1" dirty="0" smtClean="0"/>
-              <a:t>REFERENCIAL TEÓRICO</a:t>
-            </a:r>
-            <a:endParaRPr lang="pt-BR" b="1" dirty="0"/>
-          </a:p>
-        </p:txBody>
-      </p:sp>
-      <p:sp>
-        <p:nvSpPr>
-          <p:cNvPr id="3" name="Espaço Reservado para Conteúdo 2"/>
-          <p:cNvSpPr>
-            <a:spLocks noGrp="1"/>
-          </p:cNvSpPr>
+      <p:pic>
+        <p:nvPicPr>
+          <p:cNvPr id="4" name="Espaço Reservado para Conteúdo 3"/>
+          <p:cNvPicPr>
+            <a:picLocks noGrp="1" noChangeAspect="1"/>
+          </p:cNvPicPr>
           <p:nvPr>
             <p:ph idx="1"/>
           </p:nvPr>
-        </p:nvSpPr>
+        </p:nvPicPr>
+        <p:blipFill>
+          <a:blip r:embed="rId2">
+            <a:extLst>
+              <a:ext uri="{28A0092B-C50C-407E-A947-70E740481C1C}">
+                <a14:useLocalDpi xmlns:a14="http://schemas.microsoft.com/office/drawing/2010/main" val="0"/>
+              </a:ext>
+            </a:extLst>
+          </a:blip>
+          <a:stretch>
+            <a:fillRect/>
+          </a:stretch>
+        </p:blipFill>
         <p:spPr>
           <a:xfrm>
-            <a:off x="428596" y="1571613"/>
-            <a:ext cx="8429684" cy="4525963"/>
+            <a:off x="899592" y="1124744"/>
+            <a:ext cx="7319298" cy="4870660"/>
           </a:xfrm>
         </p:spPr>
-        <p:txBody>
-          <a:bodyPr>
-            <a:normAutofit lnSpcReduction="10000"/>
-          </a:bodyPr>
-          <a:lstStyle/>
-          <a:p>
-            <a:pPr algn="just">
-              <a:lnSpc>
-                <a:spcPct val="150000"/>
-              </a:lnSpc>
-              <a:buFont typeface="Wingdings" pitchFamily="2" charset="2"/>
-              <a:buChar char="ü"/>
-            </a:pPr>
-            <a:r>
-              <a:rPr lang="pt-BR" sz="2400" b="1" dirty="0" smtClean="0"/>
-              <a:t>Carvalho, Salles e Guimarães (2002) apresentam a história da criança, relatando a forma como esta era tratada pelos adultos.</a:t>
-            </a:r>
-            <a:endParaRPr lang="pt-BR" sz="2400" b="1" dirty="0" smtClean="0"/>
-          </a:p>
-          <a:p>
-            <a:pPr algn="just">
-              <a:lnSpc>
-                <a:spcPct val="150000"/>
-              </a:lnSpc>
-              <a:buFont typeface="Wingdings" pitchFamily="2" charset="2"/>
-              <a:buChar char="ü"/>
-            </a:pPr>
-            <a:r>
-              <a:rPr lang="pt-BR" sz="2400" b="1" dirty="0" smtClean="0"/>
-              <a:t>Costa (2000) e Rocha (2002) relatam os principais marcos na vida da criança até ser reconhecida como cidadã de direitos, além de salientar sobre a importância da infância.</a:t>
-            </a:r>
-            <a:endParaRPr lang="pt-BR" sz="2400" b="1" dirty="0" smtClean="0"/>
-          </a:p>
-          <a:p>
-            <a:pPr algn="just">
-              <a:lnSpc>
-                <a:spcPct val="150000"/>
-              </a:lnSpc>
-              <a:buFont typeface="Wingdings" pitchFamily="2" charset="2"/>
-              <a:buChar char="ü"/>
-            </a:pPr>
-            <a:r>
-              <a:rPr lang="pt-BR" sz="2400" b="1" dirty="0" smtClean="0"/>
-              <a:t>Franco (2002) aborda as questões acerca da Educação Infantil, ressaltando sua importância.</a:t>
-            </a:r>
-            <a:endParaRPr lang="pt-BR" sz="2400" b="1" dirty="0" smtClean="0"/>
-          </a:p>
-          <a:p>
-            <a:pPr algn="just">
-              <a:buNone/>
-            </a:pPr>
-            <a:endParaRPr lang="pt-BR" sz="2400" dirty="0" smtClean="0"/>
-          </a:p>
-        </p:txBody>
-      </p:sp>
+      </p:pic>
     </p:spTree>
+    <p:extLst>
+      <p:ext uri="{BB962C8B-B14F-4D97-AF65-F5344CB8AC3E}">
+        <p14:creationId xmlns:p14="http://schemas.microsoft.com/office/powerpoint/2010/main" val="811591171"/>
+      </p:ext>
+    </p:extLst>
   </p:cSld>
   <p:clrMapOvr>
     <a:masterClrMapping/>
@@ -6194,36 +6546,33 @@
             <p:ph type="title"/>
           </p:nvPr>
         </p:nvSpPr>
+        <p:spPr/>
+        <p:txBody>
+          <a:bodyPr/>
+          <a:lstStyle/>
+          <a:p>
+            <a:r>
+              <a:rPr lang="pt-BR" b="1" dirty="0" smtClean="0"/>
+              <a:t>OBJETIVOS</a:t>
+            </a:r>
+            <a:endParaRPr lang="pt-BR" b="1" dirty="0"/>
+          </a:p>
+        </p:txBody>
+      </p:sp>
+      <p:sp>
+        <p:nvSpPr>
+          <p:cNvPr id="3" name="Espaço Reservado para Conteúdo 2"/>
+          <p:cNvSpPr>
+            <a:spLocks noGrp="1"/>
+          </p:cNvSpPr>
+          <p:nvPr>
+            <p:ph idx="1"/>
+          </p:nvPr>
+        </p:nvSpPr>
         <p:spPr>
           <a:xfrm>
-            <a:off x="428596" y="-1000155"/>
-            <a:ext cx="8229600" cy="500090"/>
-          </a:xfrm>
-        </p:spPr>
-        <p:txBody>
-          <a:bodyPr>
-            <a:normAutofit fontScale="90000"/>
-          </a:bodyPr>
-          <a:lstStyle/>
-          <a:p>
-            <a:endParaRPr lang="pt-BR" dirty="0"/>
-          </a:p>
-        </p:txBody>
-      </p:sp>
-      <p:sp>
-        <p:nvSpPr>
-          <p:cNvPr id="3" name="Espaço Reservado para Conteúdo 2"/>
-          <p:cNvSpPr>
-            <a:spLocks noGrp="1"/>
-          </p:cNvSpPr>
-          <p:nvPr>
-            <p:ph idx="1"/>
-          </p:nvPr>
-        </p:nvSpPr>
-        <p:spPr>
-          <a:xfrm>
-            <a:off x="457201" y="571481"/>
-            <a:ext cx="8229600" cy="5554683"/>
+            <a:off x="285720" y="1600201"/>
+            <a:ext cx="8401080" cy="4525963"/>
           </a:xfrm>
         </p:spPr>
         <p:txBody>
@@ -6232,130 +6581,31 @@
           </a:bodyPr>
           <a:lstStyle/>
           <a:p>
+            <a:pPr algn="ctr">
+              <a:buNone/>
+            </a:pPr>
+            <a:r>
+              <a:rPr lang="pt-BR" b="1" dirty="0" smtClean="0"/>
+              <a:t> Objetivo Geral</a:t>
+            </a:r>
+          </a:p>
+          <a:p>
+            <a:pPr algn="ctr">
+              <a:buNone/>
+            </a:pPr>
+            <a:endParaRPr lang="pt-BR" b="1" dirty="0" smtClean="0"/>
+          </a:p>
+          <a:p>
             <a:pPr algn="just">
-              <a:buFont typeface="Wingdings" pitchFamily="2" charset="2"/>
-              <a:buChar char="ü"/>
-            </a:pPr>
-            <a:endParaRPr lang="pt-BR" sz="2400" dirty="0" smtClean="0"/>
-          </a:p>
-          <a:p>
-            <a:pPr algn="just">
-              <a:buFont typeface="Wingdings" pitchFamily="2" charset="2"/>
-              <a:buChar char="ü"/>
-            </a:pPr>
-            <a:r>
-              <a:rPr lang="pt-BR" sz="2400" b="1" dirty="0" smtClean="0"/>
-              <a:t>Marcílio ( 1998) aborda os principais avanços no que diz respeito aos direitos da criança, incluindo assim o direito a Educação Infantil.</a:t>
-            </a:r>
-            <a:endParaRPr lang="pt-BR" sz="2400" b="1" dirty="0" smtClean="0"/>
-          </a:p>
-          <a:p>
-            <a:pPr algn="just">
-              <a:buFont typeface="Wingdings" pitchFamily="2" charset="2"/>
-              <a:buChar char="ü"/>
-            </a:pPr>
-            <a:endParaRPr lang="pt-BR" sz="2400" b="1" dirty="0" smtClean="0"/>
-          </a:p>
-          <a:p>
-            <a:pPr algn="just">
-              <a:buFont typeface="Wingdings" pitchFamily="2" charset="2"/>
-              <a:buChar char="ü"/>
-            </a:pPr>
-            <a:r>
-              <a:rPr lang="pt-BR" sz="2400" b="1" dirty="0" smtClean="0"/>
-              <a:t>Ramos (2010) retrata as condições em que as crianças viviam, apontando todo o processo que resultou na fundação das instituições de Educação Infantil.</a:t>
-            </a:r>
-            <a:endParaRPr lang="pt-BR" sz="2400" b="1" dirty="0" smtClean="0"/>
-          </a:p>
-          <a:p>
-            <a:pPr algn="just">
-              <a:buFont typeface="Wingdings" pitchFamily="2" charset="2"/>
-              <a:buChar char="ü"/>
-            </a:pPr>
-            <a:endParaRPr lang="pt-BR" sz="2400" b="1" dirty="0" smtClean="0"/>
-          </a:p>
-          <a:p>
-            <a:pPr algn="just">
-              <a:buFont typeface="Wingdings" pitchFamily="2" charset="2"/>
-              <a:buChar char="ü"/>
-            </a:pPr>
-            <a:r>
-              <a:rPr lang="pt-BR" sz="2400" b="1" dirty="0" smtClean="0"/>
-              <a:t>Hoffmann (1996) contribui para a compreensão sobre o desenvolvimento infantil, e toda a contribuição da Educação Infantil neste aspecto</a:t>
-            </a:r>
-            <a:r>
-              <a:rPr lang="pt-BR" sz="2400" dirty="0" smtClean="0"/>
-              <a:t>.</a:t>
-            </a:r>
-            <a:endParaRPr lang="pt-BR" sz="2400" dirty="0" smtClean="0"/>
-          </a:p>
-          <a:p>
-            <a:pPr algn="just">
-              <a:buFont typeface="Wingdings" pitchFamily="2" charset="2"/>
-              <a:buChar char="ü"/>
-            </a:pPr>
-            <a:endParaRPr lang="pt-BR" sz="2400" dirty="0" smtClean="0"/>
-          </a:p>
-          <a:p>
-            <a:pPr algn="just">
-              <a:buFont typeface="Wingdings" pitchFamily="2" charset="2"/>
-              <a:buChar char="ü"/>
-            </a:pPr>
-            <a:endParaRPr lang="pt-BR" sz="2400" dirty="0" smtClean="0"/>
-          </a:p>
-          <a:p>
-            <a:pPr algn="just">
-              <a:buFont typeface="Wingdings" pitchFamily="2" charset="2"/>
-              <a:buChar char="ü"/>
-            </a:pPr>
-            <a:endParaRPr lang="pt-BR" sz="2400" dirty="0" smtClean="0"/>
-          </a:p>
-          <a:p>
-            <a:pPr algn="just">
-              <a:buFont typeface="Wingdings" pitchFamily="2" charset="2"/>
-              <a:buChar char="ü"/>
-            </a:pPr>
-            <a:endParaRPr lang="pt-BR" sz="2400" dirty="0" smtClean="0"/>
-          </a:p>
-          <a:p>
-            <a:pPr algn="just">
-              <a:buFont typeface="Wingdings" pitchFamily="2" charset="2"/>
-              <a:buChar char="ü"/>
-            </a:pPr>
-            <a:endParaRPr lang="pt-BR" sz="2400" dirty="0" smtClean="0"/>
-          </a:p>
-          <a:p>
-            <a:pPr algn="just">
-              <a:buFont typeface="Wingdings" pitchFamily="2" charset="2"/>
-              <a:buChar char="ü"/>
-            </a:pPr>
-            <a:endParaRPr lang="pt-BR" sz="2400" dirty="0" smtClean="0"/>
-          </a:p>
-          <a:p>
-            <a:pPr algn="just">
-              <a:buFont typeface="Wingdings" pitchFamily="2" charset="2"/>
-              <a:buChar char="ü"/>
-            </a:pPr>
-            <a:endParaRPr lang="pt-BR" sz="2400" dirty="0" smtClean="0"/>
-          </a:p>
-          <a:p>
-            <a:pPr algn="just">
-              <a:buNone/>
-            </a:pPr>
-            <a:endParaRPr lang="pt-BR" sz="2400" dirty="0" smtClean="0"/>
-          </a:p>
-          <a:p>
-            <a:pPr algn="just">
-              <a:buNone/>
-            </a:pPr>
-            <a:endParaRPr lang="pt-BR" sz="2400" dirty="0" smtClean="0"/>
-          </a:p>
-          <a:p>
-            <a:pPr algn="just">
-              <a:buFont typeface="Wingdings" pitchFamily="2" charset="2"/>
-              <a:buChar char="ü"/>
-            </a:pPr>
-            <a:endParaRPr lang="pt-BR" sz="2400" dirty="0"/>
+              <a:lnSpc>
+                <a:spcPct val="150000"/>
+              </a:lnSpc>
+              <a:buNone/>
+            </a:pPr>
+            <a:r>
+              <a:rPr lang="pt-BR" sz="2800" b="1" dirty="0" smtClean="0"/>
+              <a:t>    Refletir sobre o significado da Educação Infantil para o desenvolvimento da criança de zero a cinco anos na visão do professor.</a:t>
+            </a:r>
           </a:p>
         </p:txBody>
       </p:sp>
@@ -6391,106 +6641,41 @@
           <a:chExt cx="0" cy="0"/>
         </a:xfrm>
       </p:grpSpPr>
-      <p:sp>
-        <p:nvSpPr>
-          <p:cNvPr id="2" name="Título 1"/>
-          <p:cNvSpPr>
-            <a:spLocks noGrp="1"/>
-          </p:cNvSpPr>
-          <p:nvPr>
-            <p:ph type="title"/>
-          </p:nvPr>
-        </p:nvSpPr>
+      <p:pic>
+        <p:nvPicPr>
+          <p:cNvPr id="4" name="Espaço Reservado para Conteúdo 3"/>
+          <p:cNvPicPr>
+            <a:picLocks noGrp="1" noChangeAspect="1"/>
+          </p:cNvPicPr>
+          <p:nvPr>
+            <p:ph idx="1"/>
+          </p:nvPr>
+        </p:nvPicPr>
+        <p:blipFill>
+          <a:blip r:embed="rId2">
+            <a:extLst>
+              <a:ext uri="{28A0092B-C50C-407E-A947-70E740481C1C}">
+                <a14:useLocalDpi xmlns:a14="http://schemas.microsoft.com/office/drawing/2010/main" val="0"/>
+              </a:ext>
+            </a:extLst>
+          </a:blip>
+          <a:stretch>
+            <a:fillRect/>
+          </a:stretch>
+        </p:blipFill>
         <p:spPr>
           <a:xfrm>
-            <a:off x="-4929253" y="428604"/>
-            <a:ext cx="1214446" cy="1143000"/>
+            <a:off x="683568" y="764704"/>
+            <a:ext cx="7547043" cy="5556064"/>
           </a:xfrm>
         </p:spPr>
-        <p:txBody>
-          <a:bodyPr/>
-          <a:lstStyle/>
-          <a:p>
-            <a:endParaRPr lang="pt-BR" dirty="0"/>
-          </a:p>
-        </p:txBody>
-      </p:sp>
-      <p:sp>
-        <p:nvSpPr>
-          <p:cNvPr id="3" name="Espaço Reservado para Conteúdo 2"/>
-          <p:cNvSpPr>
-            <a:spLocks noGrp="1"/>
-          </p:cNvSpPr>
-          <p:nvPr>
-            <p:ph idx="1"/>
-          </p:nvPr>
-        </p:nvSpPr>
-        <p:spPr>
-          <a:xfrm>
-            <a:off x="457201" y="714357"/>
-            <a:ext cx="8229600" cy="5411807"/>
-          </a:xfrm>
-        </p:spPr>
-        <p:txBody>
-          <a:bodyPr>
-            <a:normAutofit lnSpcReduction="10000"/>
-          </a:bodyPr>
-          <a:lstStyle/>
-          <a:p>
-            <a:pPr>
-              <a:buNone/>
-            </a:pPr>
-            <a:endParaRPr lang="pt-BR" sz="2400" dirty="0" smtClean="0"/>
-          </a:p>
-          <a:p>
-            <a:pPr algn="just">
-              <a:buFont typeface="Wingdings" pitchFamily="2" charset="2"/>
-              <a:buChar char="ü"/>
-            </a:pPr>
-            <a:r>
-              <a:rPr lang="pt-BR" sz="2400" b="1" dirty="0" smtClean="0"/>
-              <a:t>Salles e Faria (2012) discute as principais características da Educação Infantil destaca as contribuições destes espaços escolares e do papel do professor no desenvolvimento da criança.</a:t>
-            </a:r>
-            <a:endParaRPr lang="pt-BR" sz="2400" b="1" dirty="0" smtClean="0"/>
-          </a:p>
-          <a:p>
-            <a:pPr algn="just">
-              <a:buNone/>
-            </a:pPr>
-            <a:endParaRPr lang="pt-BR" sz="2400" b="1" dirty="0" smtClean="0"/>
-          </a:p>
-          <a:p>
-            <a:pPr algn="just">
-              <a:buFont typeface="Wingdings" pitchFamily="2" charset="2"/>
-              <a:buChar char="ü"/>
-            </a:pPr>
-            <a:r>
-              <a:rPr lang="pt-BR" sz="2400" b="1" dirty="0" smtClean="0"/>
-              <a:t>Kramer ( 1991 e 1982) ressalta a trajetória da educação para crianças, e todo os entraves que foram encontrados durante este percurso até o reconhecimento da sua importância para o desenvolvimento da criança de zero a cinco anos.</a:t>
-            </a:r>
-            <a:endParaRPr lang="pt-BR" sz="2400" b="1" dirty="0" smtClean="0"/>
-          </a:p>
-          <a:p>
-            <a:pPr algn="just"/>
-            <a:endParaRPr lang="pt-BR" sz="2400" b="1" dirty="0" smtClean="0"/>
-          </a:p>
-          <a:p>
-            <a:pPr algn="just">
-              <a:buFont typeface="Wingdings" pitchFamily="2" charset="2"/>
-              <a:buChar char="ü"/>
-            </a:pPr>
-            <a:r>
-              <a:rPr lang="pt-BR" sz="2400" b="1" dirty="0" smtClean="0"/>
-              <a:t>André (2004) reflete sobre história da criança, o sentimento da infância, e os direitos que forma adquiridos pela mesma ao longo da sua história.</a:t>
-            </a:r>
-            <a:endParaRPr lang="pt-BR" sz="2400" b="1" dirty="0" smtClean="0"/>
-          </a:p>
-          <a:p>
-            <a:endParaRPr lang="pt-BR" sz="2400" dirty="0" smtClean="0"/>
-          </a:p>
-        </p:txBody>
-      </p:sp>
+      </p:pic>
     </p:spTree>
+    <p:extLst>
+      <p:ext uri="{BB962C8B-B14F-4D97-AF65-F5344CB8AC3E}">
+        <p14:creationId xmlns:p14="http://schemas.microsoft.com/office/powerpoint/2010/main" val="1260899672"/>
+      </p:ext>
+    </p:extLst>
   </p:cSld>
   <p:clrMapOvr>
     <a:masterClrMapping/>
